--- a/docs/slides/lesson_11.pptx
+++ b/docs/slides/lesson_11.pptx
@@ -5,26 +5,23 @@
     <p:sldMasterId id="2147483648" r:id="rId1"/>
   </p:sldMasterIdLst>
   <p:notesMasterIdLst>
-    <p:notesMasterId r:id="rId19"/>
+    <p:notesMasterId r:id="rId16"/>
   </p:notesMasterIdLst>
   <p:sldIdLst>
-    <p:sldId id="293" r:id="rId2"/>
+    <p:sldId id="256" r:id="rId2"/>
     <p:sldId id="257" r:id="rId3"/>
-    <p:sldId id="280" r:id="rId4"/>
-    <p:sldId id="281" r:id="rId5"/>
-    <p:sldId id="282" r:id="rId6"/>
-    <p:sldId id="283" r:id="rId7"/>
-    <p:sldId id="284" r:id="rId8"/>
-    <p:sldId id="285" r:id="rId9"/>
-    <p:sldId id="286" r:id="rId10"/>
-    <p:sldId id="287" r:id="rId11"/>
-    <p:sldId id="289" r:id="rId12"/>
-    <p:sldId id="290" r:id="rId13"/>
-    <p:sldId id="288" r:id="rId14"/>
-    <p:sldId id="291" r:id="rId15"/>
-    <p:sldId id="294" r:id="rId16"/>
-    <p:sldId id="292" r:id="rId17"/>
-    <p:sldId id="295" r:id="rId18"/>
+    <p:sldId id="258" r:id="rId4"/>
+    <p:sldId id="259" r:id="rId5"/>
+    <p:sldId id="260" r:id="rId6"/>
+    <p:sldId id="261" r:id="rId7"/>
+    <p:sldId id="262" r:id="rId8"/>
+    <p:sldId id="263" r:id="rId9"/>
+    <p:sldId id="264" r:id="rId10"/>
+    <p:sldId id="265" r:id="rId11"/>
+    <p:sldId id="266" r:id="rId12"/>
+    <p:sldId id="267" r:id="rId13"/>
+    <p:sldId id="268" r:id="rId14"/>
+    <p:sldId id="269" r:id="rId15"/>
   </p:sldIdLst>
   <p:sldSz cx="12192000" cy="6858000"/>
   <p:notesSz cx="6858000" cy="9144000"/>
@@ -124,11 +121,45 @@
     </a:lvl9pPr>
   </p:defaultTextStyle>
   <p:extLst>
+    <p:ext uri="{521415D9-36F7-43E2-AB2F-B90AF26B5E84}">
+      <p14:sectionLst xmlns:p14="http://schemas.microsoft.com/office/powerpoint/2010/main">
+        <p14:section name="Default Section" id="{B12C3DD1-25C2-44D4-842A-FF7F5BF0E5E2}">
+          <p14:sldIdLst>
+            <p14:sldId id="256"/>
+            <p14:sldId id="257"/>
+            <p14:sldId id="258"/>
+            <p14:sldId id="259"/>
+            <p14:sldId id="260"/>
+            <p14:sldId id="261"/>
+            <p14:sldId id="262"/>
+            <p14:sldId id="263"/>
+            <p14:sldId id="264"/>
+            <p14:sldId id="265"/>
+            <p14:sldId id="266"/>
+            <p14:sldId id="267"/>
+            <p14:sldId id="268"/>
+            <p14:sldId id="269"/>
+          </p14:sldIdLst>
+        </p14:section>
+      </p14:sectionLst>
+    </p:ext>
     <p:ext uri="{EFAFB233-063F-42B5-8137-9DF3F51BA10A}">
       <p15:sldGuideLst xmlns:p15="http://schemas.microsoft.com/office/powerpoint/2012/main"/>
     </p:ext>
   </p:extLst>
 </p:presentation>
+</file>
+
+<file path=ppt/commentAuthors.xml><?xml version="1.0" encoding="utf-8"?>
+<p:cmAuthorLst xmlns:a="http://schemas.openxmlformats.org/drawingml/2006/main" xmlns:r="http://schemas.openxmlformats.org/officeDocument/2006/relationships" xmlns:p="http://schemas.openxmlformats.org/presentationml/2006/main">
+  <p:cmAuthor id="1" name="Andrea Arcuri" initials="AA" lastIdx="1" clrIdx="0">
+    <p:extLst>
+      <p:ext uri="{19B8F6BF-5375-455C-9EA6-DF929625EA0E}">
+        <p15:presenceInfo xmlns:p15="http://schemas.microsoft.com/office/powerpoint/2012/main" userId="4d3c0879d955390a" providerId="Windows Live"/>
+      </p:ext>
+    </p:extLst>
+  </p:cmAuthor>
+</p:cmAuthorLst>
 </file>
 
 <file path=ppt/notesMasters/notesMaster1.xml><?xml version="1.0" encoding="utf-8"?>
@@ -213,7 +244,7 @@
           <a:p>
             <a:fld id="{9B5B52BA-3295-0343-9E28-A260A811DD10}" type="datetimeFigureOut">
               <a:rPr lang="en-US" smtClean="0"/>
-              <a:t>18-Mar-19</a:t>
+              <a:t>1/1/2021</a:t>
             </a:fld>
             <a:endParaRPr lang="en-US"/>
           </a:p>
@@ -277,38 +308,37 @@
           <a:p>
             <a:pPr lvl="0"/>
             <a:r>
-              <a:rPr lang="en-US" smtClean="0"/>
+              <a:rPr lang="en-US"/>
               <a:t>Click to edit Master text styles</a:t>
             </a:r>
           </a:p>
           <a:p>
             <a:pPr lvl="1"/>
             <a:r>
-              <a:rPr lang="en-US" smtClean="0"/>
+              <a:rPr lang="en-US"/>
               <a:t>Second level</a:t>
             </a:r>
           </a:p>
           <a:p>
             <a:pPr lvl="2"/>
             <a:r>
-              <a:rPr lang="en-US" smtClean="0"/>
+              <a:rPr lang="en-US"/>
               <a:t>Third level</a:t>
             </a:r>
           </a:p>
           <a:p>
             <a:pPr lvl="3"/>
             <a:r>
-              <a:rPr lang="en-US" smtClean="0"/>
+              <a:rPr lang="en-US"/>
               <a:t>Fourth level</a:t>
             </a:r>
           </a:p>
           <a:p>
             <a:pPr lvl="4"/>
             <a:r>
-              <a:rPr lang="en-US" smtClean="0"/>
+              <a:rPr lang="en-US"/>
               <a:t>Fifth level</a:t>
             </a:r>
-            <a:endParaRPr lang="en-US"/>
           </a:p>
         </p:txBody>
       </p:sp>
@@ -546,7 +576,7 @@
           <a:p>
             <a:fld id="{D6FB5A5B-CC88-B64A-8F56-0DBE0ACA83DE}" type="slidenum">
               <a:rPr lang="en-US" smtClean="0"/>
-              <a:t>9</a:t>
+              <a:t>2</a:t>
             </a:fld>
             <a:endParaRPr lang="en-US"/>
           </a:p>
@@ -555,7 +585,7 @@
     </p:spTree>
     <p:extLst>
       <p:ext uri="{BB962C8B-B14F-4D97-AF65-F5344CB8AC3E}">
-        <p14:creationId xmlns:p14="http://schemas.microsoft.com/office/powerpoint/2010/main" val="3755609858"/>
+        <p14:creationId xmlns:p14="http://schemas.microsoft.com/office/powerpoint/2010/main" val="2026134473"/>
       </p:ext>
     </p:extLst>
   </p:cSld>
@@ -607,10 +637,9 @@
           </a:lstStyle>
           <a:p>
             <a:r>
-              <a:rPr lang="en-US" dirty="0" smtClean="0"/>
+              <a:rPr lang="en-US" dirty="0"/>
               <a:t>Click to edit Master title style</a:t>
             </a:r>
-            <a:endParaRPr lang="en-US" dirty="0"/>
           </a:p>
         </p:txBody>
       </p:sp>
@@ -672,10 +701,9 @@
           </a:lstStyle>
           <a:p>
             <a:r>
-              <a:rPr lang="en-US" dirty="0" smtClean="0"/>
+              <a:rPr lang="en-US" dirty="0"/>
               <a:t>Click to edit Master subtitle style</a:t>
             </a:r>
-            <a:endParaRPr lang="en-US" dirty="0"/>
           </a:p>
         </p:txBody>
       </p:sp>
@@ -696,7 +724,7 @@
           <a:p>
             <a:fld id="{04F1D4A2-813C-F741-B481-C92B3A596030}" type="datetimeFigureOut">
               <a:rPr lang="en-US" smtClean="0"/>
-              <a:t>18-Mar-19</a:t>
+              <a:t>1/1/2021</a:t>
             </a:fld>
             <a:endParaRPr lang="en-US"/>
           </a:p>
@@ -790,10 +818,9 @@
           <a:lstStyle/>
           <a:p>
             <a:r>
-              <a:rPr lang="en-US" smtClean="0"/>
+              <a:rPr lang="en-US"/>
               <a:t>Click to edit Master title style</a:t>
             </a:r>
-            <a:endParaRPr lang="en-US"/>
           </a:p>
         </p:txBody>
       </p:sp>
@@ -814,38 +841,37 @@
           <a:p>
             <a:pPr lvl="0"/>
             <a:r>
-              <a:rPr lang="en-US" smtClean="0"/>
+              <a:rPr lang="en-US"/>
               <a:t>Click to edit Master text styles</a:t>
             </a:r>
           </a:p>
           <a:p>
             <a:pPr lvl="1"/>
             <a:r>
-              <a:rPr lang="en-US" smtClean="0"/>
+              <a:rPr lang="en-US"/>
               <a:t>Second level</a:t>
             </a:r>
           </a:p>
           <a:p>
             <a:pPr lvl="2"/>
             <a:r>
-              <a:rPr lang="en-US" smtClean="0"/>
+              <a:rPr lang="en-US"/>
               <a:t>Third level</a:t>
             </a:r>
           </a:p>
           <a:p>
             <a:pPr lvl="3"/>
             <a:r>
-              <a:rPr lang="en-US" smtClean="0"/>
+              <a:rPr lang="en-US"/>
               <a:t>Fourth level</a:t>
             </a:r>
           </a:p>
           <a:p>
             <a:pPr lvl="4"/>
             <a:r>
-              <a:rPr lang="en-US" smtClean="0"/>
+              <a:rPr lang="en-US"/>
               <a:t>Fifth level</a:t>
             </a:r>
-            <a:endParaRPr lang="en-US"/>
           </a:p>
         </p:txBody>
       </p:sp>
@@ -866,7 +892,7 @@
           <a:p>
             <a:fld id="{04F1D4A2-813C-F741-B481-C92B3A596030}" type="datetimeFigureOut">
               <a:rPr lang="en-US" smtClean="0"/>
-              <a:t>18-Mar-19</a:t>
+              <a:t>1/1/2021</a:t>
             </a:fld>
             <a:endParaRPr lang="en-US"/>
           </a:p>
@@ -965,10 +991,9 @@
           <a:lstStyle/>
           <a:p>
             <a:r>
-              <a:rPr lang="en-US" smtClean="0"/>
+              <a:rPr lang="en-US"/>
               <a:t>Click to edit Master title style</a:t>
             </a:r>
-            <a:endParaRPr lang="en-US"/>
           </a:p>
         </p:txBody>
       </p:sp>
@@ -994,38 +1019,37 @@
           <a:p>
             <a:pPr lvl="0"/>
             <a:r>
-              <a:rPr lang="en-US" smtClean="0"/>
+              <a:rPr lang="en-US"/>
               <a:t>Click to edit Master text styles</a:t>
             </a:r>
           </a:p>
           <a:p>
             <a:pPr lvl="1"/>
             <a:r>
-              <a:rPr lang="en-US" smtClean="0"/>
+              <a:rPr lang="en-US"/>
               <a:t>Second level</a:t>
             </a:r>
           </a:p>
           <a:p>
             <a:pPr lvl="2"/>
             <a:r>
-              <a:rPr lang="en-US" smtClean="0"/>
+              <a:rPr lang="en-US"/>
               <a:t>Third level</a:t>
             </a:r>
           </a:p>
           <a:p>
             <a:pPr lvl="3"/>
             <a:r>
-              <a:rPr lang="en-US" smtClean="0"/>
+              <a:rPr lang="en-US"/>
               <a:t>Fourth level</a:t>
             </a:r>
           </a:p>
           <a:p>
             <a:pPr lvl="4"/>
             <a:r>
-              <a:rPr lang="en-US" smtClean="0"/>
+              <a:rPr lang="en-US"/>
               <a:t>Fifth level</a:t>
             </a:r>
-            <a:endParaRPr lang="en-US"/>
           </a:p>
         </p:txBody>
       </p:sp>
@@ -1046,7 +1070,7 @@
           <a:p>
             <a:fld id="{04F1D4A2-813C-F741-B481-C92B3A596030}" type="datetimeFigureOut">
               <a:rPr lang="en-US" smtClean="0"/>
-              <a:t>18-Mar-19</a:t>
+              <a:t>1/1/2021</a:t>
             </a:fld>
             <a:endParaRPr lang="en-US"/>
           </a:p>
@@ -1144,10 +1168,9 @@
           </a:lstStyle>
           <a:p>
             <a:r>
-              <a:rPr lang="en-US" dirty="0" smtClean="0"/>
+              <a:rPr lang="en-US" dirty="0"/>
               <a:t>Click to edit Master title style</a:t>
             </a:r>
-            <a:endParaRPr lang="en-US" dirty="0"/>
           </a:p>
         </p:txBody>
       </p:sp>
@@ -1175,38 +1198,37 @@
           <a:p>
             <a:pPr lvl="0"/>
             <a:r>
-              <a:rPr lang="en-US" dirty="0" smtClean="0"/>
+              <a:rPr lang="en-US" dirty="0"/>
               <a:t>Click to edit Master text styles</a:t>
             </a:r>
           </a:p>
           <a:p>
             <a:pPr lvl="1"/>
             <a:r>
-              <a:rPr lang="en-US" dirty="0" smtClean="0"/>
+              <a:rPr lang="en-US" dirty="0"/>
               <a:t>Second level</a:t>
             </a:r>
           </a:p>
           <a:p>
             <a:pPr lvl="2"/>
             <a:r>
-              <a:rPr lang="en-US" dirty="0" smtClean="0"/>
+              <a:rPr lang="en-US" dirty="0"/>
               <a:t>Third level</a:t>
             </a:r>
           </a:p>
           <a:p>
             <a:pPr lvl="3"/>
             <a:r>
-              <a:rPr lang="en-US" dirty="0" smtClean="0"/>
+              <a:rPr lang="en-US" dirty="0"/>
               <a:t>Fourth level</a:t>
             </a:r>
           </a:p>
           <a:p>
             <a:pPr lvl="4"/>
             <a:r>
-              <a:rPr lang="en-US" dirty="0" smtClean="0"/>
+              <a:rPr lang="en-US" dirty="0"/>
               <a:t>Fifth level</a:t>
             </a:r>
-            <a:endParaRPr lang="en-US" dirty="0"/>
           </a:p>
         </p:txBody>
       </p:sp>
@@ -1227,7 +1249,7 @@
           <a:p>
             <a:fld id="{04F1D4A2-813C-F741-B481-C92B3A596030}" type="datetimeFigureOut">
               <a:rPr lang="en-US" smtClean="0"/>
-              <a:t>18-Mar-19</a:t>
+              <a:t>1/1/2021</a:t>
             </a:fld>
             <a:endParaRPr lang="en-US"/>
           </a:p>
@@ -1330,10 +1352,9 @@
           </a:lstStyle>
           <a:p>
             <a:r>
-              <a:rPr lang="en-US" smtClean="0"/>
+              <a:rPr lang="en-US"/>
               <a:t>Click to edit Master title style</a:t>
             </a:r>
-            <a:endParaRPr lang="en-US"/>
           </a:p>
         </p:txBody>
       </p:sp>
@@ -1450,7 +1471,7 @@
           <a:p>
             <a:pPr lvl="0"/>
             <a:r>
-              <a:rPr lang="en-US" smtClean="0"/>
+              <a:rPr lang="en-US"/>
               <a:t>Click to edit Master text styles</a:t>
             </a:r>
           </a:p>
@@ -1473,7 +1494,7 @@
           <a:p>
             <a:fld id="{04F1D4A2-813C-F741-B481-C92B3A596030}" type="datetimeFigureOut">
               <a:rPr lang="en-US" smtClean="0"/>
-              <a:t>18-Mar-19</a:t>
+              <a:t>1/1/2021</a:t>
             </a:fld>
             <a:endParaRPr lang="en-US"/>
           </a:p>
@@ -1567,10 +1588,9 @@
           <a:lstStyle/>
           <a:p>
             <a:r>
-              <a:rPr lang="en-US" smtClean="0"/>
+              <a:rPr lang="en-US"/>
               <a:t>Click to edit Master title style</a:t>
             </a:r>
-            <a:endParaRPr lang="en-US"/>
           </a:p>
         </p:txBody>
       </p:sp>
@@ -1596,38 +1616,37 @@
           <a:p>
             <a:pPr lvl="0"/>
             <a:r>
-              <a:rPr lang="en-US" smtClean="0"/>
+              <a:rPr lang="en-US"/>
               <a:t>Click to edit Master text styles</a:t>
             </a:r>
           </a:p>
           <a:p>
             <a:pPr lvl="1"/>
             <a:r>
-              <a:rPr lang="en-US" smtClean="0"/>
+              <a:rPr lang="en-US"/>
               <a:t>Second level</a:t>
             </a:r>
           </a:p>
           <a:p>
             <a:pPr lvl="2"/>
             <a:r>
-              <a:rPr lang="en-US" smtClean="0"/>
+              <a:rPr lang="en-US"/>
               <a:t>Third level</a:t>
             </a:r>
           </a:p>
           <a:p>
             <a:pPr lvl="3"/>
             <a:r>
-              <a:rPr lang="en-US" smtClean="0"/>
+              <a:rPr lang="en-US"/>
               <a:t>Fourth level</a:t>
             </a:r>
           </a:p>
           <a:p>
             <a:pPr lvl="4"/>
             <a:r>
-              <a:rPr lang="en-US" smtClean="0"/>
+              <a:rPr lang="en-US"/>
               <a:t>Fifth level</a:t>
             </a:r>
-            <a:endParaRPr lang="en-US"/>
           </a:p>
         </p:txBody>
       </p:sp>
@@ -1653,38 +1672,37 @@
           <a:p>
             <a:pPr lvl="0"/>
             <a:r>
-              <a:rPr lang="en-US" smtClean="0"/>
+              <a:rPr lang="en-US"/>
               <a:t>Click to edit Master text styles</a:t>
             </a:r>
           </a:p>
           <a:p>
             <a:pPr lvl="1"/>
             <a:r>
-              <a:rPr lang="en-US" smtClean="0"/>
+              <a:rPr lang="en-US"/>
               <a:t>Second level</a:t>
             </a:r>
           </a:p>
           <a:p>
             <a:pPr lvl="2"/>
             <a:r>
-              <a:rPr lang="en-US" smtClean="0"/>
+              <a:rPr lang="en-US"/>
               <a:t>Third level</a:t>
             </a:r>
           </a:p>
           <a:p>
             <a:pPr lvl="3"/>
             <a:r>
-              <a:rPr lang="en-US" smtClean="0"/>
+              <a:rPr lang="en-US"/>
               <a:t>Fourth level</a:t>
             </a:r>
           </a:p>
           <a:p>
             <a:pPr lvl="4"/>
             <a:r>
-              <a:rPr lang="en-US" smtClean="0"/>
+              <a:rPr lang="en-US"/>
               <a:t>Fifth level</a:t>
             </a:r>
-            <a:endParaRPr lang="en-US"/>
           </a:p>
         </p:txBody>
       </p:sp>
@@ -1705,7 +1723,7 @@
           <a:p>
             <a:fld id="{04F1D4A2-813C-F741-B481-C92B3A596030}" type="datetimeFigureOut">
               <a:rPr lang="en-US" smtClean="0"/>
-              <a:t>18-Mar-19</a:t>
+              <a:t>1/1/2021</a:t>
             </a:fld>
             <a:endParaRPr lang="en-US"/>
           </a:p>
@@ -1804,10 +1822,9 @@
           <a:lstStyle/>
           <a:p>
             <a:r>
-              <a:rPr lang="en-US" smtClean="0"/>
+              <a:rPr lang="en-US"/>
               <a:t>Click to edit Master title style</a:t>
             </a:r>
-            <a:endParaRPr lang="en-US"/>
           </a:p>
         </p:txBody>
       </p:sp>
@@ -1870,7 +1887,7 @@
           <a:p>
             <a:pPr lvl="0"/>
             <a:r>
-              <a:rPr lang="en-US" smtClean="0"/>
+              <a:rPr lang="en-US"/>
               <a:t>Click to edit Master text styles</a:t>
             </a:r>
           </a:p>
@@ -1898,38 +1915,37 @@
           <a:p>
             <a:pPr lvl="0"/>
             <a:r>
-              <a:rPr lang="en-US" smtClean="0"/>
+              <a:rPr lang="en-US"/>
               <a:t>Click to edit Master text styles</a:t>
             </a:r>
           </a:p>
           <a:p>
             <a:pPr lvl="1"/>
             <a:r>
-              <a:rPr lang="en-US" smtClean="0"/>
+              <a:rPr lang="en-US"/>
               <a:t>Second level</a:t>
             </a:r>
           </a:p>
           <a:p>
             <a:pPr lvl="2"/>
             <a:r>
-              <a:rPr lang="en-US" smtClean="0"/>
+              <a:rPr lang="en-US"/>
               <a:t>Third level</a:t>
             </a:r>
           </a:p>
           <a:p>
             <a:pPr lvl="3"/>
             <a:r>
-              <a:rPr lang="en-US" smtClean="0"/>
+              <a:rPr lang="en-US"/>
               <a:t>Fourth level</a:t>
             </a:r>
           </a:p>
           <a:p>
             <a:pPr lvl="4"/>
             <a:r>
-              <a:rPr lang="en-US" smtClean="0"/>
+              <a:rPr lang="en-US"/>
               <a:t>Fifth level</a:t>
             </a:r>
-            <a:endParaRPr lang="en-US"/>
           </a:p>
         </p:txBody>
       </p:sp>
@@ -1992,7 +2008,7 @@
           <a:p>
             <a:pPr lvl="0"/>
             <a:r>
-              <a:rPr lang="en-US" smtClean="0"/>
+              <a:rPr lang="en-US"/>
               <a:t>Click to edit Master text styles</a:t>
             </a:r>
           </a:p>
@@ -2020,38 +2036,37 @@
           <a:p>
             <a:pPr lvl="0"/>
             <a:r>
-              <a:rPr lang="en-US" smtClean="0"/>
+              <a:rPr lang="en-US"/>
               <a:t>Click to edit Master text styles</a:t>
             </a:r>
           </a:p>
           <a:p>
             <a:pPr lvl="1"/>
             <a:r>
-              <a:rPr lang="en-US" smtClean="0"/>
+              <a:rPr lang="en-US"/>
               <a:t>Second level</a:t>
             </a:r>
           </a:p>
           <a:p>
             <a:pPr lvl="2"/>
             <a:r>
-              <a:rPr lang="en-US" smtClean="0"/>
+              <a:rPr lang="en-US"/>
               <a:t>Third level</a:t>
             </a:r>
           </a:p>
           <a:p>
             <a:pPr lvl="3"/>
             <a:r>
-              <a:rPr lang="en-US" smtClean="0"/>
+              <a:rPr lang="en-US"/>
               <a:t>Fourth level</a:t>
             </a:r>
           </a:p>
           <a:p>
             <a:pPr lvl="4"/>
             <a:r>
-              <a:rPr lang="en-US" smtClean="0"/>
+              <a:rPr lang="en-US"/>
               <a:t>Fifth level</a:t>
             </a:r>
-            <a:endParaRPr lang="en-US"/>
           </a:p>
         </p:txBody>
       </p:sp>
@@ -2072,7 +2087,7 @@
           <a:p>
             <a:fld id="{04F1D4A2-813C-F741-B481-C92B3A596030}" type="datetimeFigureOut">
               <a:rPr lang="en-US" smtClean="0"/>
-              <a:t>18-Mar-19</a:t>
+              <a:t>1/1/2021</a:t>
             </a:fld>
             <a:endParaRPr lang="en-US"/>
           </a:p>
@@ -2166,10 +2181,9 @@
           <a:lstStyle/>
           <a:p>
             <a:r>
-              <a:rPr lang="en-US" smtClean="0"/>
+              <a:rPr lang="en-US"/>
               <a:t>Click to edit Master title style</a:t>
             </a:r>
-            <a:endParaRPr lang="en-US"/>
           </a:p>
         </p:txBody>
       </p:sp>
@@ -2190,7 +2204,7 @@
           <a:p>
             <a:fld id="{04F1D4A2-813C-F741-B481-C92B3A596030}" type="datetimeFigureOut">
               <a:rPr lang="en-US" smtClean="0"/>
-              <a:t>18-Mar-19</a:t>
+              <a:t>1/1/2021</a:t>
             </a:fld>
             <a:endParaRPr lang="en-US"/>
           </a:p>
@@ -2285,7 +2299,7 @@
           <a:p>
             <a:fld id="{04F1D4A2-813C-F741-B481-C92B3A596030}" type="datetimeFigureOut">
               <a:rPr lang="en-US" smtClean="0"/>
-              <a:t>18-Mar-19</a:t>
+              <a:t>1/1/2021</a:t>
             </a:fld>
             <a:endParaRPr lang="en-US"/>
           </a:p>
@@ -2388,10 +2402,9 @@
           </a:lstStyle>
           <a:p>
             <a:r>
-              <a:rPr lang="en-US" smtClean="0"/>
+              <a:rPr lang="en-US"/>
               <a:t>Click to edit Master title style</a:t>
             </a:r>
-            <a:endParaRPr lang="en-US"/>
           </a:p>
         </p:txBody>
       </p:sp>
@@ -2445,38 +2458,37 @@
           <a:p>
             <a:pPr lvl="0"/>
             <a:r>
-              <a:rPr lang="en-US" smtClean="0"/>
+              <a:rPr lang="en-US"/>
               <a:t>Click to edit Master text styles</a:t>
             </a:r>
           </a:p>
           <a:p>
             <a:pPr lvl="1"/>
             <a:r>
-              <a:rPr lang="en-US" smtClean="0"/>
+              <a:rPr lang="en-US"/>
               <a:t>Second level</a:t>
             </a:r>
           </a:p>
           <a:p>
             <a:pPr lvl="2"/>
             <a:r>
-              <a:rPr lang="en-US" smtClean="0"/>
+              <a:rPr lang="en-US"/>
               <a:t>Third level</a:t>
             </a:r>
           </a:p>
           <a:p>
             <a:pPr lvl="3"/>
             <a:r>
-              <a:rPr lang="en-US" smtClean="0"/>
+              <a:rPr lang="en-US"/>
               <a:t>Fourth level</a:t>
             </a:r>
           </a:p>
           <a:p>
             <a:pPr lvl="4"/>
             <a:r>
-              <a:rPr lang="en-US" smtClean="0"/>
+              <a:rPr lang="en-US"/>
               <a:t>Fifth level</a:t>
             </a:r>
-            <a:endParaRPr lang="en-US"/>
           </a:p>
         </p:txBody>
       </p:sp>
@@ -2539,7 +2551,7 @@
           <a:p>
             <a:pPr lvl="0"/>
             <a:r>
-              <a:rPr lang="en-US" smtClean="0"/>
+              <a:rPr lang="en-US"/>
               <a:t>Click to edit Master text styles</a:t>
             </a:r>
           </a:p>
@@ -2562,7 +2574,7 @@
           <a:p>
             <a:fld id="{04F1D4A2-813C-F741-B481-C92B3A596030}" type="datetimeFigureOut">
               <a:rPr lang="en-US" smtClean="0"/>
-              <a:t>18-Mar-19</a:t>
+              <a:t>1/1/2021</a:t>
             </a:fld>
             <a:endParaRPr lang="en-US"/>
           </a:p>
@@ -2665,10 +2677,9 @@
           </a:lstStyle>
           <a:p>
             <a:r>
-              <a:rPr lang="en-US" smtClean="0"/>
+              <a:rPr lang="en-US"/>
               <a:t>Click to edit Master title style</a:t>
             </a:r>
-            <a:endParaRPr lang="en-US"/>
           </a:p>
         </p:txBody>
       </p:sp>
@@ -2792,7 +2803,7 @@
           <a:p>
             <a:pPr lvl="0"/>
             <a:r>
-              <a:rPr lang="en-US" smtClean="0"/>
+              <a:rPr lang="en-US"/>
               <a:t>Click to edit Master text styles</a:t>
             </a:r>
           </a:p>
@@ -2815,7 +2826,7 @@
           <a:p>
             <a:fld id="{04F1D4A2-813C-F741-B481-C92B3A596030}" type="datetimeFigureOut">
               <a:rPr lang="en-US" smtClean="0"/>
-              <a:t>18-Mar-19</a:t>
+              <a:t>1/1/2021</a:t>
             </a:fld>
             <a:endParaRPr lang="en-US"/>
           </a:p>
@@ -2924,10 +2935,9 @@
           <a:lstStyle/>
           <a:p>
             <a:r>
-              <a:rPr lang="en-US" dirty="0" smtClean="0"/>
+              <a:rPr lang="en-US" dirty="0"/>
               <a:t>Click to edit Master title style</a:t>
             </a:r>
-            <a:endParaRPr lang="en-US" dirty="0"/>
           </a:p>
         </p:txBody>
       </p:sp>
@@ -2958,38 +2968,37 @@
           <a:p>
             <a:pPr lvl="0"/>
             <a:r>
-              <a:rPr lang="en-US" smtClean="0"/>
+              <a:rPr lang="en-US"/>
               <a:t>Click to edit Master text styles</a:t>
             </a:r>
           </a:p>
           <a:p>
             <a:pPr lvl="1"/>
             <a:r>
-              <a:rPr lang="en-US" smtClean="0"/>
+              <a:rPr lang="en-US"/>
               <a:t>Second level</a:t>
             </a:r>
           </a:p>
           <a:p>
             <a:pPr lvl="2"/>
             <a:r>
-              <a:rPr lang="en-US" smtClean="0"/>
+              <a:rPr lang="en-US"/>
               <a:t>Third level</a:t>
             </a:r>
           </a:p>
           <a:p>
             <a:pPr lvl="3"/>
             <a:r>
-              <a:rPr lang="en-US" smtClean="0"/>
+              <a:rPr lang="en-US"/>
               <a:t>Fourth level</a:t>
             </a:r>
           </a:p>
           <a:p>
             <a:pPr lvl="4"/>
             <a:r>
-              <a:rPr lang="en-US" smtClean="0"/>
+              <a:rPr lang="en-US"/>
               <a:t>Fifth level</a:t>
             </a:r>
-            <a:endParaRPr lang="en-US"/>
           </a:p>
         </p:txBody>
       </p:sp>
@@ -3028,7 +3037,7 @@
           <a:p>
             <a:fld id="{04F1D4A2-813C-F741-B481-C92B3A596030}" type="datetimeFigureOut">
               <a:rPr lang="en-US" smtClean="0"/>
-              <a:t>18-Mar-19</a:t>
+              <a:t>1/1/2021</a:t>
             </a:fld>
             <a:endParaRPr lang="en-US"/>
           </a:p>
@@ -3463,36 +3472,20 @@
             <a:br>
               <a:rPr lang="en-US" sz="6600" dirty="0"/>
             </a:br>
-            <a:r>
-              <a:rPr lang="en-US" sz="6600" dirty="0"/>
-              <a:t/>
-            </a:r>
             <a:br>
               <a:rPr lang="en-US" sz="6600" dirty="0"/>
             </a:br>
             <a:r>
               <a:rPr lang="en-US" sz="6600" dirty="0"/>
-              <a:t>Lesson </a:t>
-            </a:r>
-            <a:r>
-              <a:rPr lang="en-US" sz="6600" dirty="0" smtClean="0"/>
-              <a:t>11: </a:t>
-            </a:r>
-            <a:r>
+              <a:t>Lesson 11: </a:t>
+            </a:r>
+            <a:br>
               <a:rPr lang="en-US" sz="6600" dirty="0"/>
-              <a:t> </a:t>
-            </a:r>
-            <a:r>
-              <a:rPr lang="en-US" sz="6600" dirty="0" err="1" smtClean="0"/>
-              <a:t>GraphQL</a:t>
-            </a:r>
-            <a:r>
-              <a:rPr lang="en-US" sz="6600" dirty="0" smtClean="0"/>
-              <a:t> APIs</a:t>
-            </a:r>
-            <a:br>
-              <a:rPr lang="en-US" sz="6600" dirty="0" smtClean="0"/>
             </a:br>
+            <a:r>
+              <a:rPr lang="en-US" sz="6600" dirty="0" err="1"/>
+              <a:t>WebSockets</a:t>
+            </a:r>
             <a:endParaRPr lang="en-US" sz="6600" dirty="0"/>
           </a:p>
         </p:txBody>
@@ -3618,7 +3611,7 @@
     </p:spTree>
     <p:extLst>
       <p:ext uri="{BB962C8B-B14F-4D97-AF65-F5344CB8AC3E}">
-        <p14:creationId xmlns:p14="http://schemas.microsoft.com/office/powerpoint/2010/main" val="3777938689"/>
+        <p14:creationId xmlns:p14="http://schemas.microsoft.com/office/powerpoint/2010/main" val="1659239731"/>
       </p:ext>
     </p:extLst>
   </p:cSld>
@@ -3661,10 +3654,9 @@
           <a:lstStyle/>
           <a:p>
             <a:r>
-              <a:rPr lang="en-US" dirty="0" smtClean="0"/>
-              <a:t>Change Operators</a:t>
-            </a:r>
-            <a:endParaRPr lang="en-US" dirty="0"/>
+              <a:rPr lang="en-US" dirty="0"/>
+              <a:t>Server Response</a:t>
+            </a:r>
           </a:p>
         </p:txBody>
       </p:sp>
@@ -3680,96 +3672,111 @@
         </p:nvSpPr>
         <p:spPr>
           <a:xfrm>
-            <a:off x="159026" y="1825625"/>
-            <a:ext cx="11757991" cy="4833592"/>
+            <a:off x="254000" y="1825624"/>
+            <a:ext cx="11805920" cy="4890135"/>
           </a:xfrm>
         </p:spPr>
         <p:txBody>
-          <a:bodyPr/>
-          <a:lstStyle/>
-          <a:p>
-            <a:r>
-              <a:rPr lang="en-US" dirty="0" smtClean="0"/>
-              <a:t>To modify data, </a:t>
-            </a:r>
-            <a:r>
-              <a:rPr lang="en-US" i="1" dirty="0" err="1" smtClean="0"/>
-              <a:t>GraphQL</a:t>
-            </a:r>
-            <a:r>
-              <a:rPr lang="en-US" dirty="0" smtClean="0"/>
-              <a:t> defines “</a:t>
-            </a:r>
-            <a:r>
-              <a:rPr lang="en-US" i="1" dirty="0" smtClean="0"/>
-              <a:t>mutation</a:t>
-            </a:r>
-            <a:r>
-              <a:rPr lang="en-US" dirty="0" smtClean="0"/>
-              <a:t>” operators</a:t>
-            </a:r>
-          </a:p>
-          <a:p>
-            <a:r>
-              <a:rPr lang="en-US" dirty="0" smtClean="0"/>
-              <a:t>These are Remote Procedure Calls (RPC)</a:t>
-            </a:r>
-          </a:p>
-          <a:p>
-            <a:r>
-              <a:rPr lang="en-US" dirty="0" smtClean="0"/>
-              <a:t>In other words, a </a:t>
-            </a:r>
-            <a:r>
-              <a:rPr lang="en-US" i="1" dirty="0" err="1" smtClean="0"/>
-              <a:t>GraphQL</a:t>
-            </a:r>
-            <a:r>
-              <a:rPr lang="en-US" dirty="0" smtClean="0"/>
-              <a:t> server can define a set of methods that can be invoked remotely</a:t>
-            </a:r>
-          </a:p>
-          <a:p>
-            <a:r>
-              <a:rPr lang="en-US" dirty="0" smtClean="0"/>
-              <a:t>Input/output data should be basic types</a:t>
-            </a:r>
-          </a:p>
-          <a:p>
-            <a:r>
-              <a:rPr lang="en-US" i="1" dirty="0" smtClean="0"/>
-              <a:t>Benefits</a:t>
-            </a:r>
-            <a:r>
-              <a:rPr lang="en-US" dirty="0" smtClean="0"/>
-              <a:t>: high flexibility, can do whatever you want</a:t>
-            </a:r>
-          </a:p>
-          <a:p>
-            <a:r>
-              <a:rPr lang="en-US" i="1" dirty="0" smtClean="0"/>
-              <a:t>Downsides</a:t>
-            </a:r>
-            <a:r>
-              <a:rPr lang="en-US" dirty="0" smtClean="0"/>
-              <a:t>: high flexibility, each API will behave differently</a:t>
-            </a:r>
-          </a:p>
-          <a:p>
-            <a:pPr marL="457200" lvl="1" indent="0">
-              <a:buNone/>
-            </a:pPr>
-            <a:endParaRPr lang="en-US" dirty="0" smtClean="0"/>
-          </a:p>
-          <a:p>
-            <a:endParaRPr lang="en-US" dirty="0"/>
+          <a:bodyPr>
+            <a:normAutofit fontScale="92500" lnSpcReduction="20000"/>
+          </a:bodyPr>
+          <a:lstStyle/>
+          <a:p>
+            <a:r>
+              <a:rPr lang="en-US" dirty="0"/>
+              <a:t>If server supports and accepts the WS connection, it will answer with a HTTP message having the following</a:t>
+            </a:r>
+          </a:p>
+          <a:p>
+            <a:r>
+              <a:rPr lang="en-US" b="1" dirty="0"/>
+              <a:t>Connection: Upgrade</a:t>
+            </a:r>
+          </a:p>
+          <a:p>
+            <a:pPr lvl="1"/>
+            <a:r>
+              <a:rPr lang="en-US" dirty="0"/>
+              <a:t>tell browser to update the connection from current HTTP to something else</a:t>
+            </a:r>
+          </a:p>
+          <a:p>
+            <a:r>
+              <a:rPr lang="en-US" b="1" dirty="0"/>
+              <a:t>Upgrade: </a:t>
+            </a:r>
+            <a:r>
+              <a:rPr lang="en-US" b="1" dirty="0" err="1"/>
+              <a:t>websocket</a:t>
+            </a:r>
+            <a:endParaRPr lang="en-US" b="1" dirty="0"/>
+          </a:p>
+          <a:p>
+            <a:pPr lvl="1"/>
+            <a:r>
+              <a:rPr lang="en-US" dirty="0"/>
+              <a:t>the protocol to use for all following requests</a:t>
+            </a:r>
+          </a:p>
+          <a:p>
+            <a:r>
+              <a:rPr lang="en-US" b="1" dirty="0"/>
+              <a:t>Sec-</a:t>
+            </a:r>
+            <a:r>
+              <a:rPr lang="en-US" b="1" dirty="0" err="1"/>
+              <a:t>WebSocket</a:t>
+            </a:r>
+            <a:r>
+              <a:rPr lang="en-US" b="1" dirty="0"/>
+              <a:t>-Accept</a:t>
+            </a:r>
+          </a:p>
+          <a:p>
+            <a:pPr lvl="1"/>
+            <a:r>
+              <a:rPr lang="en-US" dirty="0"/>
+              <a:t>used to confirm that server is willing to use WS protocol for all following requests</a:t>
+            </a:r>
+          </a:p>
+          <a:p>
+            <a:pPr lvl="1"/>
+            <a:r>
+              <a:rPr lang="en-US" dirty="0"/>
+              <a:t>it contains the hashed key sent by the browser. Useful to prevent caches to resend previous WS conversations</a:t>
+            </a:r>
+          </a:p>
+          <a:p>
+            <a:r>
+              <a:rPr lang="en-US" dirty="0"/>
+              <a:t>HTTP status code </a:t>
+            </a:r>
+            <a:r>
+              <a:rPr lang="en-US" b="1" dirty="0"/>
+              <a:t>101</a:t>
+            </a:r>
+          </a:p>
+          <a:p>
+            <a:pPr lvl="1"/>
+            <a:r>
+              <a:rPr lang="en-US" dirty="0"/>
+              <a:t>it represents “</a:t>
+            </a:r>
+            <a:r>
+              <a:rPr lang="en-US" i="1" dirty="0"/>
+              <a:t>Switching Protocols</a:t>
+            </a:r>
+            <a:r>
+              <a:rPr lang="en-US" dirty="0"/>
+              <a:t>”</a:t>
+            </a:r>
           </a:p>
         </p:txBody>
       </p:sp>
     </p:spTree>
     <p:extLst>
       <p:ext uri="{BB962C8B-B14F-4D97-AF65-F5344CB8AC3E}">
-        <p14:creationId xmlns:p14="http://schemas.microsoft.com/office/powerpoint/2010/main" val="1275155310"/>
+        <p14:creationId xmlns:p14="http://schemas.microsoft.com/office/powerpoint/2010/main" val="345737371"/>
       </p:ext>
     </p:extLst>
   </p:cSld>
@@ -3812,14 +3819,9 @@
           <a:lstStyle/>
           <a:p>
             <a:r>
-              <a:rPr lang="en-US" dirty="0" err="1" smtClean="0"/>
-              <a:t>GraphQL</a:t>
-            </a:r>
-            <a:r>
-              <a:rPr lang="en-US" dirty="0" smtClean="0"/>
-              <a:t> Over HTTP</a:t>
-            </a:r>
-            <a:endParaRPr lang="en-US" dirty="0"/>
+              <a:rPr lang="en-US" dirty="0"/>
+              <a:t>Established WS Connection</a:t>
+            </a:r>
           </a:p>
         </p:txBody>
       </p:sp>
@@ -3835,8 +3837,8 @@
         </p:nvSpPr>
         <p:spPr>
           <a:xfrm>
-            <a:off x="178904" y="1825624"/>
-            <a:ext cx="11936896" cy="4505601"/>
+            <a:off x="386080" y="1825624"/>
+            <a:ext cx="11648440" cy="4849496"/>
           </a:xfrm>
         </p:spPr>
         <p:txBody>
@@ -3844,147 +3846,71 @@
           <a:lstStyle/>
           <a:p>
             <a:r>
-              <a:rPr lang="en-US" dirty="0" smtClean="0"/>
-              <a:t>Either via a POST or a GET</a:t>
-            </a:r>
-          </a:p>
-          <a:p>
-            <a:r>
-              <a:rPr lang="en-US" dirty="0" err="1" smtClean="0"/>
-              <a:t>Eg</a:t>
-            </a:r>
-            <a:r>
-              <a:rPr lang="en-US" dirty="0" smtClean="0"/>
-              <a:t>, </a:t>
-            </a:r>
-            <a:r>
-              <a:rPr lang="en-US" b="1" dirty="0" smtClean="0"/>
-              <a:t>POST localhost/</a:t>
-            </a:r>
-            <a:r>
-              <a:rPr lang="en-US" b="1" dirty="0" err="1" smtClean="0"/>
-              <a:t>graphql</a:t>
-            </a:r>
-            <a:endParaRPr lang="en-US" b="1" dirty="0" smtClean="0"/>
+              <a:rPr lang="en-US" dirty="0"/>
+              <a:t>Once WS is established, can send blocks of byte data or strings over TCP</a:t>
+            </a:r>
+          </a:p>
+          <a:p>
+            <a:r>
+              <a:rPr lang="en-US" dirty="0"/>
+              <a:t>Can wait for receiving messages</a:t>
+            </a:r>
           </a:p>
           <a:p>
             <a:pPr lvl="1"/>
             <a:r>
-              <a:rPr lang="en-US" dirty="0" smtClean="0"/>
-              <a:t>JSON payload</a:t>
-            </a:r>
-            <a:r>
-              <a:rPr lang="en-US" dirty="0"/>
-              <a:t>: </a:t>
-            </a:r>
-            <a:r>
-              <a:rPr lang="en-US" b="1" dirty="0"/>
-              <a:t>{ "query" : "{all{id}}" </a:t>
-            </a:r>
-            <a:r>
-              <a:rPr lang="en-US" b="1" dirty="0" smtClean="0"/>
-              <a:t>}</a:t>
+              <a:rPr lang="en-US" dirty="0"/>
+              <a:t>duplex communications between browser and server</a:t>
             </a:r>
           </a:p>
           <a:p>
             <a:pPr lvl="1"/>
             <a:r>
-              <a:rPr lang="en-US" dirty="0" smtClean="0"/>
-              <a:t>Here, the actual query is a string stored in the variable called “query”</a:t>
-            </a:r>
-          </a:p>
-          <a:p>
-            <a:r>
-              <a:rPr lang="en-US" dirty="0" err="1" smtClean="0"/>
-              <a:t>Eg</a:t>
-            </a:r>
-            <a:r>
-              <a:rPr lang="en-US" dirty="0" smtClean="0"/>
-              <a:t>, </a:t>
-            </a:r>
-            <a:r>
-              <a:rPr lang="en-US" b="1" dirty="0" smtClean="0"/>
-              <a:t>GET</a:t>
-            </a:r>
-            <a:r>
-              <a:rPr lang="en-US" dirty="0" smtClean="0"/>
-              <a:t> </a:t>
-            </a:r>
-            <a:r>
-              <a:rPr lang="en-US" b="1" dirty="0" smtClean="0"/>
-              <a:t>localhost/</a:t>
-            </a:r>
-            <a:r>
-              <a:rPr lang="en-US" b="1" dirty="0" err="1" smtClean="0"/>
-              <a:t>graphql?query</a:t>
-            </a:r>
-            <a:r>
-              <a:rPr lang="en-US" b="1" dirty="0"/>
-              <a:t>=%</a:t>
-            </a:r>
-            <a:r>
-              <a:rPr lang="en-US" b="1" dirty="0" smtClean="0"/>
-              <a:t>7Ball%7Bname%7D%7D</a:t>
+              <a:rPr lang="en-US" dirty="0"/>
+              <a:t>data split and sent as “</a:t>
+            </a:r>
+            <a:r>
+              <a:rPr lang="en-US" i="1" dirty="0"/>
+              <a:t>frames</a:t>
+            </a:r>
+            <a:r>
+              <a:rPr lang="en-US" dirty="0"/>
+              <a:t>” of bytes, with special codes to specify sequences of frames belonging to the same message</a:t>
+            </a:r>
+          </a:p>
+          <a:p>
+            <a:r>
+              <a:rPr lang="en-US" dirty="0"/>
+              <a:t>How to structure messages is up to you</a:t>
             </a:r>
           </a:p>
           <a:p>
             <a:pPr lvl="1"/>
             <a:r>
-              <a:rPr lang="en-US" dirty="0" smtClean="0"/>
-              <a:t>Here the query is passed as a URL query parameter called “query”, and not in a JSON object</a:t>
-            </a:r>
-          </a:p>
-          <a:p>
-            <a:pPr lvl="1"/>
-            <a:r>
-              <a:rPr lang="en-US" dirty="0" smtClean="0"/>
-              <a:t>Note that symbols </a:t>
-            </a:r>
-            <a:r>
-              <a:rPr lang="en-US" b="1" dirty="0" smtClean="0"/>
-              <a:t>{</a:t>
-            </a:r>
-            <a:r>
-              <a:rPr lang="en-US" dirty="0" smtClean="0"/>
-              <a:t> and </a:t>
-            </a:r>
-            <a:r>
-              <a:rPr lang="en-US" b="1" dirty="0" smtClean="0"/>
-              <a:t>}</a:t>
-            </a:r>
-            <a:r>
-              <a:rPr lang="en-US" dirty="0" smtClean="0"/>
-              <a:t> need to be escaped with </a:t>
-            </a:r>
-            <a:r>
-              <a:rPr lang="en-US" b="1" dirty="0" smtClean="0"/>
-              <a:t>%7B</a:t>
-            </a:r>
-            <a:r>
-              <a:rPr lang="en-US" dirty="0" smtClean="0"/>
-              <a:t> and </a:t>
-            </a:r>
-            <a:r>
-              <a:rPr lang="en-US" b="1" dirty="0" smtClean="0"/>
-              <a:t>%7D</a:t>
-            </a:r>
-          </a:p>
-          <a:p>
-            <a:endParaRPr lang="en-US" b="1" dirty="0" smtClean="0"/>
-          </a:p>
-          <a:p>
-            <a:pPr lvl="1"/>
-            <a:endParaRPr lang="en-US" b="1" dirty="0"/>
-          </a:p>
-          <a:p>
-            <a:endParaRPr lang="en-US" dirty="0"/>
+              <a:rPr lang="en-US" dirty="0" err="1"/>
+              <a:t>eg</a:t>
+            </a:r>
+            <a:r>
+              <a:rPr lang="en-US" dirty="0"/>
+              <a:t>, could use protocols like STOMP</a:t>
+            </a:r>
+          </a:p>
+          <a:p>
+            <a:r>
+              <a:rPr lang="en-US" dirty="0"/>
+              <a:t>Typically, </a:t>
+            </a:r>
+            <a:r>
+              <a:rPr lang="en-US" i="1" dirty="0"/>
+              <a:t>we will just send JSON objects, serialized as strings</a:t>
+            </a:r>
           </a:p>
         </p:txBody>
       </p:sp>
     </p:spTree>
     <p:extLst>
       <p:ext uri="{BB962C8B-B14F-4D97-AF65-F5344CB8AC3E}">
-        <p14:creationId xmlns:p14="http://schemas.microsoft.com/office/powerpoint/2010/main" val="80443923"/>
+        <p14:creationId xmlns:p14="http://schemas.microsoft.com/office/powerpoint/2010/main" val="3814537169"/>
       </p:ext>
     </p:extLst>
   </p:cSld>
@@ -4027,14 +3953,9 @@
           <a:lstStyle/>
           <a:p>
             <a:r>
-              <a:rPr lang="en-US" dirty="0" smtClean="0"/>
-              <a:t>HTTP </a:t>
-            </a:r>
-            <a:r>
-              <a:rPr lang="en-US" dirty="0" err="1" smtClean="0"/>
-              <a:t>Idempotency</a:t>
-            </a:r>
-            <a:endParaRPr lang="en-US" dirty="0"/>
+              <a:rPr lang="en-US" dirty="0"/>
+              <a:t>Why First Message in HTTP?</a:t>
+            </a:r>
           </a:p>
         </p:txBody>
       </p:sp>
@@ -4050,65 +3971,74 @@
         </p:nvSpPr>
         <p:spPr>
           <a:xfrm>
-            <a:off x="298174" y="1825625"/>
-            <a:ext cx="11569148" cy="4843532"/>
+            <a:off x="304800" y="1825624"/>
+            <a:ext cx="11653520" cy="4854576"/>
           </a:xfrm>
         </p:spPr>
         <p:txBody>
-          <a:bodyPr/>
-          <a:lstStyle/>
-          <a:p>
-            <a:r>
-              <a:rPr lang="en-US" dirty="0" smtClean="0"/>
-              <a:t>Need to remember that GET is idempotent, whereas POST is not</a:t>
-            </a:r>
-          </a:p>
-          <a:p>
-            <a:r>
-              <a:rPr lang="en-US" dirty="0" smtClean="0"/>
-              <a:t>So, a “</a:t>
-            </a:r>
-            <a:r>
-              <a:rPr lang="en-US" i="1" dirty="0" smtClean="0"/>
-              <a:t>mutation</a:t>
-            </a:r>
-            <a:r>
-              <a:rPr lang="en-US" dirty="0" smtClean="0"/>
-              <a:t>” operation that changes the server state must not be sent via a GET</a:t>
+          <a:bodyPr>
+            <a:normAutofit fontScale="92500"/>
+          </a:bodyPr>
+          <a:lstStyle/>
+          <a:p>
+            <a:r>
+              <a:rPr lang="en-US" dirty="0"/>
+              <a:t>It allows server to have a single listening TCP socket </a:t>
             </a:r>
           </a:p>
           <a:p>
             <a:pPr lvl="1"/>
             <a:r>
-              <a:rPr lang="en-US" i="1" dirty="0" err="1" smtClean="0"/>
-              <a:t>GraphQL</a:t>
-            </a:r>
-            <a:r>
-              <a:rPr lang="en-US" dirty="0" smtClean="0"/>
-              <a:t> HTTP Services will likely throw an exception in those cases</a:t>
-            </a:r>
-          </a:p>
-          <a:p>
-            <a:r>
-              <a:rPr lang="en-US" dirty="0" smtClean="0"/>
-              <a:t>So, “</a:t>
-            </a:r>
-            <a:r>
-              <a:rPr lang="en-US" i="1" dirty="0" smtClean="0"/>
-              <a:t>mutations</a:t>
-            </a:r>
-            <a:r>
-              <a:rPr lang="en-US" dirty="0" smtClean="0"/>
-              <a:t>” must go via a POST, whereas read operations could go either way, POST or GET</a:t>
-            </a:r>
-            <a:endParaRPr lang="en-US" dirty="0"/>
+              <a:rPr lang="en-US" dirty="0" err="1"/>
+              <a:t>eg</a:t>
+            </a:r>
+            <a:r>
+              <a:rPr lang="en-US" dirty="0"/>
+              <a:t>, either 80 or 443, serving both HTTP(S) and WS(S)</a:t>
+            </a:r>
+          </a:p>
+          <a:p>
+            <a:r>
+              <a:rPr lang="en-US" dirty="0"/>
+              <a:t>Easy to integrate in current web infrastructures, including </a:t>
+            </a:r>
+            <a:r>
+              <a:rPr lang="en-US" b="1" dirty="0"/>
+              <a:t>reverse-proxies</a:t>
+            </a:r>
+          </a:p>
+          <a:p>
+            <a:pPr lvl="1"/>
+            <a:r>
+              <a:rPr lang="en-US" dirty="0"/>
+              <a:t>often you do not speak directly with a server, but rather with proxies and gateways in front of them… but this is not something we will see in this course</a:t>
+            </a:r>
+          </a:p>
+          <a:p>
+            <a:r>
+              <a:rPr lang="en-US" dirty="0"/>
+              <a:t>WS is younger than HTTP</a:t>
+            </a:r>
+          </a:p>
+          <a:p>
+            <a:pPr lvl="1"/>
+            <a:r>
+              <a:rPr lang="en-US" dirty="0"/>
+              <a:t>first version in Chrome in 2009</a:t>
+            </a:r>
+          </a:p>
+          <a:p>
+            <a:r>
+              <a:rPr lang="en-US" dirty="0"/>
+              <a:t>Needed an easy way to integrate the new WS protocol in the existing web infrastructures tailored for HTTP </a:t>
+            </a:r>
           </a:p>
         </p:txBody>
       </p:sp>
     </p:spTree>
     <p:extLst>
       <p:ext uri="{BB962C8B-B14F-4D97-AF65-F5344CB8AC3E}">
-        <p14:creationId xmlns:p14="http://schemas.microsoft.com/office/powerpoint/2010/main" val="1093809021"/>
+        <p14:creationId xmlns:p14="http://schemas.microsoft.com/office/powerpoint/2010/main" val="438584046"/>
       </p:ext>
     </p:extLst>
   </p:cSld>
@@ -4151,14 +4081,13 @@
           <a:lstStyle/>
           <a:p>
             <a:r>
-              <a:rPr lang="en-US" dirty="0" err="1" smtClean="0"/>
-              <a:t>GraphQL</a:t>
-            </a:r>
-            <a:r>
-              <a:rPr lang="en-US" dirty="0" smtClean="0"/>
-              <a:t> Benefits</a:t>
-            </a:r>
-            <a:endParaRPr lang="en-US" dirty="0"/>
+              <a:rPr lang="en-US" dirty="0" err="1"/>
+              <a:t>WebSocket</a:t>
+            </a:r>
+            <a:r>
+              <a:rPr lang="en-US" dirty="0"/>
+              <a:t> in the Browser</a:t>
+            </a:r>
           </a:p>
         </p:txBody>
       </p:sp>
@@ -4174,109 +4103,138 @@
         </p:nvSpPr>
         <p:spPr>
           <a:xfrm>
-            <a:off x="318052" y="1825625"/>
-            <a:ext cx="11638722" cy="4863410"/>
+            <a:off x="223520" y="1825624"/>
+            <a:ext cx="11800840" cy="4879975"/>
           </a:xfrm>
         </p:spPr>
         <p:txBody>
           <a:bodyPr>
-            <a:normAutofit fontScale="92500" lnSpcReduction="10000"/>
+            <a:normAutofit fontScale="92500" lnSpcReduction="20000"/>
           </a:bodyPr>
           <a:lstStyle/>
           <a:p>
             <a:r>
-              <a:rPr lang="en-US" dirty="0" smtClean="0"/>
-              <a:t>Why did Facebook need to create a yet another type of web service instead of just using REST???</a:t>
-            </a:r>
-          </a:p>
-          <a:p>
-            <a:r>
-              <a:rPr lang="en-US" i="1" dirty="0" smtClean="0"/>
-              <a:t>Client has full control on what retrieved</a:t>
+              <a:rPr lang="en-US" dirty="0"/>
+              <a:t>In JavaScript, can use the </a:t>
+            </a:r>
+            <a:r>
+              <a:rPr lang="en-US" i="1" dirty="0" err="1"/>
+              <a:t>WebSocket</a:t>
+            </a:r>
+            <a:r>
+              <a:rPr lang="en-US" dirty="0"/>
+              <a:t> class from global scope </a:t>
             </a:r>
           </a:p>
           <a:p>
             <a:pPr lvl="1"/>
             <a:r>
-              <a:rPr lang="en-US" dirty="0" smtClean="0"/>
-              <a:t>Do not retrieve fields that are not needed</a:t>
+              <a:rPr lang="en-US" dirty="0"/>
+              <a:t>Most browsers nowadays support WS</a:t>
+            </a:r>
+          </a:p>
+          <a:p>
+            <a:r>
+              <a:rPr lang="en-US" b="1" dirty="0" err="1"/>
+              <a:t>WebSocket</a:t>
+            </a:r>
+            <a:r>
+              <a:rPr lang="en-US" b="1" dirty="0"/>
+              <a:t>(</a:t>
+            </a:r>
+            <a:r>
+              <a:rPr lang="en-US" b="1" dirty="0" err="1"/>
+              <a:t>url</a:t>
+            </a:r>
+            <a:r>
+              <a:rPr lang="en-US" b="1" dirty="0"/>
+              <a:t>)</a:t>
             </a:r>
           </a:p>
           <a:p>
             <a:pPr lvl="1"/>
             <a:r>
-              <a:rPr lang="en-US" dirty="0" smtClean="0"/>
-              <a:t>Can retrieve all needed data in a </a:t>
-            </a:r>
-            <a:r>
-              <a:rPr lang="en-US" b="1" dirty="0" smtClean="0"/>
-              <a:t>SINGLE</a:t>
-            </a:r>
-            <a:r>
-              <a:rPr lang="en-US" dirty="0" smtClean="0"/>
-              <a:t> HTTP call</a:t>
+              <a:rPr lang="en-US" dirty="0"/>
+              <a:t>create a WS object, trying to connect to the given URL of the server</a:t>
             </a:r>
           </a:p>
           <a:p>
             <a:pPr lvl="1"/>
             <a:r>
-              <a:rPr lang="en-US" dirty="0" smtClean="0"/>
-              <a:t>Very important for </a:t>
-            </a:r>
-            <a:r>
-              <a:rPr lang="en-US" i="1" dirty="0" smtClean="0"/>
-              <a:t>mobiles</a:t>
-            </a:r>
-            <a:r>
-              <a:rPr lang="en-US" dirty="0" smtClean="0"/>
-              <a:t>, to reduce bandwidth and energy consumption</a:t>
-            </a:r>
-          </a:p>
-          <a:p>
-            <a:r>
-              <a:rPr lang="en-US" dirty="0" smtClean="0"/>
-              <a:t>Can have drastic changes in what called from clients without the need to change the server</a:t>
+              <a:rPr lang="en-US" dirty="0"/>
+              <a:t>recall to use either “</a:t>
+            </a:r>
+            <a:r>
+              <a:rPr lang="en-US" i="1" dirty="0" err="1"/>
+              <a:t>ws</a:t>
+            </a:r>
+            <a:r>
+              <a:rPr lang="en-US" dirty="0"/>
+              <a:t>” or “</a:t>
+            </a:r>
+            <a:r>
+              <a:rPr lang="en-US" i="1" dirty="0" err="1"/>
+              <a:t>wss</a:t>
+            </a:r>
+            <a:r>
+              <a:rPr lang="en-US" dirty="0"/>
+              <a:t>” as protocol, and not “</a:t>
+            </a:r>
+            <a:r>
+              <a:rPr lang="en-US" i="1" dirty="0"/>
+              <a:t>http</a:t>
+            </a:r>
+            <a:r>
+              <a:rPr lang="en-US" dirty="0"/>
+              <a:t>”</a:t>
+            </a:r>
+          </a:p>
+          <a:p>
+            <a:r>
+              <a:rPr lang="en-US" b="1" dirty="0" err="1"/>
+              <a:t>WebSocket.send</a:t>
+            </a:r>
+            <a:r>
+              <a:rPr lang="en-US" b="1" dirty="0"/>
+              <a:t>(payload)</a:t>
             </a:r>
           </a:p>
           <a:p>
             <a:pPr lvl="1"/>
             <a:r>
-              <a:rPr lang="en-US" dirty="0" err="1" smtClean="0"/>
-              <a:t>ie</a:t>
-            </a:r>
-            <a:r>
-              <a:rPr lang="en-US" dirty="0" smtClean="0"/>
-              <a:t>, </a:t>
-            </a:r>
-            <a:r>
-              <a:rPr lang="en-US" i="1" dirty="0" err="1" smtClean="0"/>
-              <a:t>GraphQL</a:t>
-            </a:r>
-            <a:r>
-              <a:rPr lang="en-US" dirty="0" smtClean="0"/>
-              <a:t> is very flexible</a:t>
-            </a:r>
-          </a:p>
-          <a:p>
-            <a:r>
-              <a:rPr lang="en-US" dirty="0" smtClean="0"/>
-              <a:t>Note: could achieve same things in REST, but it will end up in </a:t>
-            </a:r>
-            <a:r>
-              <a:rPr lang="en-US" i="1" dirty="0" smtClean="0"/>
-              <a:t>manually</a:t>
-            </a:r>
-            <a:r>
-              <a:rPr lang="en-US" dirty="0" smtClean="0"/>
-              <a:t> re-implementing </a:t>
-            </a:r>
-            <a:r>
-              <a:rPr lang="en-US" i="1" dirty="0" err="1" smtClean="0"/>
-              <a:t>GraphQL</a:t>
-            </a:r>
-            <a:r>
-              <a:rPr lang="en-US" dirty="0" smtClean="0"/>
-              <a:t> on top of a REST service </a:t>
+              <a:rPr lang="en-US" dirty="0"/>
+              <a:t>send the given payload (e.g., a string) to the server</a:t>
+            </a:r>
+          </a:p>
+          <a:p>
+            <a:r>
+              <a:rPr lang="en-US" b="1" dirty="0" err="1"/>
+              <a:t>WebSocket.onmessage</a:t>
+            </a:r>
+            <a:endParaRPr lang="en-US" b="1" dirty="0"/>
+          </a:p>
+          <a:p>
+            <a:pPr lvl="1"/>
+            <a:r>
+              <a:rPr lang="en-US" dirty="0"/>
+              <a:t>callback used to handle messages from server</a:t>
+            </a:r>
+          </a:p>
+          <a:p>
+            <a:r>
+              <a:rPr lang="en-US" b="1" dirty="0" err="1"/>
+              <a:t>WebSocket.close</a:t>
+            </a:r>
+            <a:r>
+              <a:rPr lang="en-US" b="1" dirty="0"/>
+              <a:t>()</a:t>
+            </a:r>
+          </a:p>
+          <a:p>
+            <a:pPr lvl="1"/>
+            <a:r>
+              <a:rPr lang="en-US" dirty="0"/>
+              <a:t>to close the connection</a:t>
             </a:r>
           </a:p>
         </p:txBody>
@@ -4284,7 +4242,7 @@
     </p:spTree>
     <p:extLst>
       <p:ext uri="{BB962C8B-B14F-4D97-AF65-F5344CB8AC3E}">
-        <p14:creationId xmlns:p14="http://schemas.microsoft.com/office/powerpoint/2010/main" val="337544038"/>
+        <p14:creationId xmlns:p14="http://schemas.microsoft.com/office/powerpoint/2010/main" val="65980878"/>
       </p:ext>
     </p:extLst>
   </p:cSld>
@@ -4327,14 +4285,13 @@
           <a:lstStyle/>
           <a:p>
             <a:r>
-              <a:rPr lang="en-US" dirty="0" err="1" smtClean="0"/>
-              <a:t>GraphQL</a:t>
-            </a:r>
-            <a:r>
-              <a:rPr lang="en-US" dirty="0" smtClean="0"/>
-              <a:t> Downsides</a:t>
-            </a:r>
-            <a:endParaRPr lang="en-US" dirty="0"/>
+              <a:rPr lang="en-US" dirty="0" err="1"/>
+              <a:t>WebSocket</a:t>
+            </a:r>
+            <a:r>
+              <a:rPr lang="en-US" dirty="0"/>
+              <a:t> in the Server</a:t>
+            </a:r>
           </a:p>
         </p:txBody>
       </p:sp>
@@ -4350,604 +4307,77 @@
         </p:nvSpPr>
         <p:spPr>
           <a:xfrm>
-            <a:off x="218661" y="1825624"/>
-            <a:ext cx="11777869" cy="4843533"/>
+            <a:off x="242047" y="1825625"/>
+            <a:ext cx="11784106" cy="4871010"/>
           </a:xfrm>
         </p:spPr>
         <p:txBody>
           <a:bodyPr>
-            <a:normAutofit fontScale="85000" lnSpcReduction="10000"/>
+            <a:normAutofit lnSpcReduction="10000"/>
           </a:bodyPr>
           <a:lstStyle/>
           <a:p>
             <a:r>
-              <a:rPr lang="en-US" dirty="0" smtClean="0"/>
-              <a:t>More difficult to implement the server </a:t>
-            </a:r>
-            <a:r>
-              <a:rPr lang="en-US" dirty="0" smtClean="0"/>
-              <a:t>when dealing with databases</a:t>
-            </a:r>
-            <a:endParaRPr lang="en-US" dirty="0" smtClean="0"/>
-          </a:p>
-          <a:p>
-            <a:pPr lvl="1"/>
-            <a:r>
-              <a:rPr lang="en-US" dirty="0"/>
-              <a:t>c</a:t>
-            </a:r>
-            <a:r>
-              <a:rPr lang="en-US" dirty="0" smtClean="0"/>
-              <a:t>an use existing libraries, but still it is more difficult to achieve high </a:t>
-            </a:r>
-            <a:r>
-              <a:rPr lang="en-US" i="1" dirty="0" smtClean="0"/>
-              <a:t>server-side</a:t>
-            </a:r>
-            <a:r>
-              <a:rPr lang="en-US" dirty="0" smtClean="0"/>
-              <a:t> performance</a:t>
-            </a:r>
-          </a:p>
-          <a:p>
-            <a:pPr lvl="1"/>
-            <a:r>
-              <a:rPr lang="en-US" dirty="0" err="1" smtClean="0"/>
-              <a:t>eg</a:t>
-            </a:r>
-            <a:r>
-              <a:rPr lang="en-US" dirty="0" smtClean="0"/>
-              <a:t>, think about how to create optimized SQL queries on databases which could be based on </a:t>
-            </a:r>
-            <a:r>
-              <a:rPr lang="en-US" i="1" dirty="0" err="1" smtClean="0"/>
-              <a:t>GraphQL</a:t>
-            </a:r>
-            <a:r>
-              <a:rPr lang="en-US" dirty="0" smtClean="0"/>
-              <a:t> queries of </a:t>
-            </a:r>
-            <a:r>
-              <a:rPr lang="en-US" i="1" dirty="0" smtClean="0"/>
-              <a:t>any</a:t>
-            </a:r>
-            <a:r>
-              <a:rPr lang="en-US" dirty="0" smtClean="0"/>
-              <a:t> shape on the graph</a:t>
-            </a:r>
-          </a:p>
-          <a:p>
-            <a:pPr lvl="1"/>
-            <a:r>
-              <a:rPr lang="en-US" dirty="0" err="1" smtClean="0"/>
-              <a:t>eg</a:t>
-            </a:r>
-            <a:r>
-              <a:rPr lang="en-US" dirty="0" smtClean="0"/>
-              <a:t>., in REST, could provide high performant, optimized endpoints for widely used operations </a:t>
-            </a:r>
-          </a:p>
-          <a:p>
-            <a:r>
-              <a:rPr lang="en-US" dirty="0" smtClean="0"/>
-              <a:t>No common semantics of “</a:t>
-            </a:r>
-            <a:r>
-              <a:rPr lang="en-US" i="1" dirty="0" smtClean="0"/>
-              <a:t>mutations</a:t>
-            </a:r>
-            <a:r>
-              <a:rPr lang="en-US" dirty="0" smtClean="0"/>
-              <a:t>” among different services</a:t>
-            </a:r>
-          </a:p>
-          <a:p>
-            <a:pPr lvl="1"/>
-            <a:r>
-              <a:rPr lang="en-US" dirty="0" smtClean="0"/>
-              <a:t>so, for each new service, need to study its docs/code to have an idea of what they do… which is quite different from typical POST/PUT in REST APIs</a:t>
-            </a:r>
-          </a:p>
-          <a:p>
-            <a:r>
-              <a:rPr lang="en-US" dirty="0" smtClean="0"/>
-              <a:t>No native handling of authentication, versioning and caching</a:t>
-            </a:r>
-          </a:p>
-          <a:p>
-            <a:pPr lvl="1"/>
-            <a:r>
-              <a:rPr lang="en-US" dirty="0" err="1" smtClean="0"/>
-              <a:t>eg</a:t>
-            </a:r>
-            <a:r>
-              <a:rPr lang="en-US" dirty="0" smtClean="0"/>
-              <a:t>, have to rely on transport protocol like HTTP </a:t>
-            </a:r>
-          </a:p>
-          <a:p>
-            <a:pPr lvl="1"/>
-            <a:r>
-              <a:rPr lang="en-US" dirty="0" err="1" smtClean="0"/>
-              <a:t>eg</a:t>
-            </a:r>
-            <a:r>
-              <a:rPr lang="en-US" dirty="0" smtClean="0"/>
-              <a:t>, more complex HTTP caches, as here there is only one single endpoint</a:t>
-            </a:r>
-          </a:p>
-          <a:p>
-            <a:pPr lvl="1"/>
-            <a:endParaRPr lang="en-US" dirty="0"/>
+              <a:rPr lang="en-US" dirty="0"/>
+              <a:t>Backend support for WS depends on the programming language and libraries we use</a:t>
+            </a:r>
+          </a:p>
+          <a:p>
+            <a:r>
+              <a:rPr lang="en-US" dirty="0"/>
+              <a:t>In this course, we will use the library “</a:t>
+            </a:r>
+            <a:r>
+              <a:rPr lang="en-US" i="1" dirty="0" err="1"/>
+              <a:t>ws</a:t>
+            </a:r>
+            <a:r>
+              <a:rPr lang="en-US" dirty="0"/>
+              <a:t>”, and “</a:t>
+            </a:r>
+            <a:r>
+              <a:rPr lang="en-US" i="1" dirty="0"/>
+              <a:t>express-</a:t>
+            </a:r>
+            <a:r>
+              <a:rPr lang="en-US" i="1" dirty="0" err="1"/>
+              <a:t>ws</a:t>
+            </a:r>
+            <a:r>
+              <a:rPr lang="en-US" dirty="0"/>
+              <a:t>” to integrate it with Express</a:t>
+            </a:r>
+          </a:p>
+          <a:p>
+            <a:r>
+              <a:rPr lang="en-US" dirty="0"/>
+              <a:t>In Express, we will have an endpoint dealing with the “</a:t>
+            </a:r>
+            <a:r>
+              <a:rPr lang="en-US" i="1" dirty="0" err="1"/>
+              <a:t>ws</a:t>
+            </a:r>
+            <a:r>
+              <a:rPr lang="en-US" i="1" dirty="0"/>
+              <a:t>://” </a:t>
+            </a:r>
+            <a:r>
+              <a:rPr lang="en-US" dirty="0"/>
+              <a:t>protocol</a:t>
+            </a:r>
+          </a:p>
+          <a:p>
+            <a:r>
+              <a:rPr lang="en-US" dirty="0"/>
+              <a:t>When called, a WS object will be created, on which we can register callbacks for incoming messages, open/close events, send messages to browser, broadcast to all users, etc. </a:t>
+            </a:r>
           </a:p>
         </p:txBody>
       </p:sp>
     </p:spTree>
     <p:extLst>
       <p:ext uri="{BB962C8B-B14F-4D97-AF65-F5344CB8AC3E}">
-        <p14:creationId xmlns:p14="http://schemas.microsoft.com/office/powerpoint/2010/main" val="964624094"/>
-      </p:ext>
-    </p:extLst>
-  </p:cSld>
-  <p:clrMapOvr>
-    <a:masterClrMapping/>
-  </p:clrMapOvr>
-</p:sld>
-</file>
-
-<file path=ppt/slides/slide15.xml><?xml version="1.0" encoding="utf-8"?>
-<p:sld xmlns:a="http://schemas.openxmlformats.org/drawingml/2006/main" xmlns:r="http://schemas.openxmlformats.org/officeDocument/2006/relationships" xmlns:p="http://schemas.openxmlformats.org/presentationml/2006/main">
-  <p:cSld>
-    <p:spTree>
-      <p:nvGrpSpPr>
-        <p:cNvPr id="1" name=""/>
-        <p:cNvGrpSpPr/>
-        <p:nvPr/>
-      </p:nvGrpSpPr>
-      <p:grpSpPr>
-        <a:xfrm>
-          <a:off x="0" y="0"/>
-          <a:ext cx="0" cy="0"/>
-          <a:chOff x="0" y="0"/>
-          <a:chExt cx="0" cy="0"/>
-        </a:xfrm>
-      </p:grpSpPr>
-      <p:sp>
-        <p:nvSpPr>
-          <p:cNvPr id="2" name="Title 1"/>
-          <p:cNvSpPr>
-            <a:spLocks noGrp="1"/>
-          </p:cNvSpPr>
-          <p:nvPr>
-            <p:ph type="title"/>
-          </p:nvPr>
-        </p:nvSpPr>
-        <p:spPr/>
-        <p:txBody>
-          <a:bodyPr/>
-          <a:lstStyle/>
-          <a:p>
-            <a:r>
-              <a:rPr lang="en-US" dirty="0" smtClean="0"/>
-              <a:t>Cont.</a:t>
-            </a:r>
-            <a:endParaRPr lang="en-US" dirty="0"/>
-          </a:p>
-        </p:txBody>
-      </p:sp>
-      <p:sp>
-        <p:nvSpPr>
-          <p:cNvPr id="3" name="Content Placeholder 2"/>
-          <p:cNvSpPr>
-            <a:spLocks noGrp="1"/>
-          </p:cNvSpPr>
-          <p:nvPr>
-            <p:ph idx="1"/>
-          </p:nvPr>
-        </p:nvSpPr>
-        <p:spPr>
-          <a:xfrm>
-            <a:off x="324319" y="1825624"/>
-            <a:ext cx="11720536" cy="4917513"/>
-          </a:xfrm>
-        </p:spPr>
-        <p:txBody>
-          <a:bodyPr/>
-          <a:lstStyle/>
-          <a:p>
-            <a:r>
-              <a:rPr lang="en-US" dirty="0"/>
-              <a:t>Relatively new technology, so tooling still needs improvement</a:t>
-            </a:r>
-          </a:p>
-          <a:p>
-            <a:pPr lvl="1"/>
-            <a:r>
-              <a:rPr lang="en-US" dirty="0"/>
-              <a:t>fine for JavaScript, but not so well supported yet in other languages</a:t>
-            </a:r>
-          </a:p>
-          <a:p>
-            <a:pPr lvl="1"/>
-            <a:r>
-              <a:rPr lang="en-US" dirty="0"/>
-              <a:t>but this </a:t>
-            </a:r>
-            <a:r>
-              <a:rPr lang="en-US" dirty="0" smtClean="0"/>
-              <a:t>will </a:t>
-            </a:r>
-            <a:r>
-              <a:rPr lang="en-US" dirty="0"/>
-              <a:t>get better with passing of time</a:t>
-            </a:r>
-            <a:r>
-              <a:rPr lang="en-US" dirty="0" smtClean="0"/>
-              <a:t>…</a:t>
-            </a:r>
-          </a:p>
-          <a:p>
-            <a:r>
-              <a:rPr lang="en-US" dirty="0" smtClean="0"/>
-              <a:t>No unbound recursive relationships</a:t>
-            </a:r>
-          </a:p>
-          <a:p>
-            <a:pPr lvl="1"/>
-            <a:r>
-              <a:rPr lang="en-US" dirty="0" err="1" smtClean="0"/>
-              <a:t>eg</a:t>
-            </a:r>
-            <a:r>
-              <a:rPr lang="en-US" dirty="0" smtClean="0"/>
-              <a:t>, assume you can have Comments on Comments… in </a:t>
-            </a:r>
-            <a:r>
-              <a:rPr lang="en-US" i="1" dirty="0" err="1" smtClean="0"/>
-              <a:t>GraphQL</a:t>
-            </a:r>
-            <a:r>
-              <a:rPr lang="en-US" dirty="0" smtClean="0"/>
-              <a:t>, you cannot specify to retrieve </a:t>
-            </a:r>
-            <a:r>
-              <a:rPr lang="en-US" i="1" dirty="0" smtClean="0"/>
-              <a:t>all</a:t>
-            </a:r>
-            <a:r>
-              <a:rPr lang="en-US" dirty="0" smtClean="0"/>
-              <a:t> comments in a tree regardless of its depth… whereas it would be simple with REST</a:t>
-            </a:r>
-            <a:endParaRPr lang="en-US" dirty="0"/>
-          </a:p>
-        </p:txBody>
-      </p:sp>
-    </p:spTree>
-    <p:extLst>
-      <p:ext uri="{BB962C8B-B14F-4D97-AF65-F5344CB8AC3E}">
-        <p14:creationId xmlns:p14="http://schemas.microsoft.com/office/powerpoint/2010/main" val="3629762158"/>
-      </p:ext>
-    </p:extLst>
-  </p:cSld>
-  <p:clrMapOvr>
-    <a:masterClrMapping/>
-  </p:clrMapOvr>
-</p:sld>
-</file>
-
-<file path=ppt/slides/slide16.xml><?xml version="1.0" encoding="utf-8"?>
-<p:sld xmlns:a="http://schemas.openxmlformats.org/drawingml/2006/main" xmlns:r="http://schemas.openxmlformats.org/officeDocument/2006/relationships" xmlns:p="http://schemas.openxmlformats.org/presentationml/2006/main">
-  <p:cSld>
-    <p:spTree>
-      <p:nvGrpSpPr>
-        <p:cNvPr id="1" name=""/>
-        <p:cNvGrpSpPr/>
-        <p:nvPr/>
-      </p:nvGrpSpPr>
-      <p:grpSpPr>
-        <a:xfrm>
-          <a:off x="0" y="0"/>
-          <a:ext cx="0" cy="0"/>
-          <a:chOff x="0" y="0"/>
-          <a:chExt cx="0" cy="0"/>
-        </a:xfrm>
-      </p:grpSpPr>
-      <p:sp>
-        <p:nvSpPr>
-          <p:cNvPr id="2" name="Title 1"/>
-          <p:cNvSpPr>
-            <a:spLocks noGrp="1"/>
-          </p:cNvSpPr>
-          <p:nvPr>
-            <p:ph type="title"/>
-          </p:nvPr>
-        </p:nvSpPr>
-        <p:spPr/>
-        <p:txBody>
-          <a:bodyPr/>
-          <a:lstStyle/>
-          <a:p>
-            <a:r>
-              <a:rPr lang="en-US" dirty="0" smtClean="0"/>
-              <a:t>REST or </a:t>
-            </a:r>
-            <a:r>
-              <a:rPr lang="en-US" dirty="0" err="1" smtClean="0"/>
-              <a:t>GraphQL</a:t>
-            </a:r>
-            <a:r>
-              <a:rPr lang="en-US" dirty="0" smtClean="0"/>
-              <a:t>???</a:t>
-            </a:r>
-            <a:endParaRPr lang="en-US" dirty="0"/>
-          </a:p>
-        </p:txBody>
-      </p:sp>
-      <p:sp>
-        <p:nvSpPr>
-          <p:cNvPr id="3" name="Content Placeholder 2"/>
-          <p:cNvSpPr>
-            <a:spLocks noGrp="1"/>
-          </p:cNvSpPr>
-          <p:nvPr>
-            <p:ph idx="1"/>
-          </p:nvPr>
-        </p:nvSpPr>
-        <p:spPr>
-          <a:xfrm>
-            <a:off x="318051" y="1825624"/>
-            <a:ext cx="11579087" cy="4823653"/>
-          </a:xfrm>
-        </p:spPr>
-        <p:txBody>
-          <a:bodyPr/>
-          <a:lstStyle/>
-          <a:p>
-            <a:r>
-              <a:rPr lang="en-US" dirty="0" smtClean="0"/>
-              <a:t>Will </a:t>
-            </a:r>
-            <a:r>
-              <a:rPr lang="en-US" i="1" dirty="0" err="1" smtClean="0"/>
-              <a:t>GraphQL</a:t>
-            </a:r>
-            <a:r>
-              <a:rPr lang="en-US" dirty="0" smtClean="0"/>
-              <a:t> replace REST???</a:t>
-            </a:r>
-          </a:p>
-          <a:p>
-            <a:r>
-              <a:rPr lang="en-US" dirty="0" smtClean="0"/>
-              <a:t>Maybe… maybe not… </a:t>
-            </a:r>
-            <a:r>
-              <a:rPr lang="en-US" i="1" dirty="0" smtClean="0"/>
-              <a:t>too early to tell</a:t>
-            </a:r>
-          </a:p>
-          <a:p>
-            <a:r>
-              <a:rPr lang="en-US" dirty="0" smtClean="0"/>
-              <a:t>Better for clients, but can be worse for servers</a:t>
-            </a:r>
-          </a:p>
-          <a:p>
-            <a:r>
-              <a:rPr lang="en-US" dirty="0" smtClean="0"/>
-              <a:t>RPC for mutations has quite a few downsides</a:t>
-            </a:r>
-          </a:p>
-          <a:p>
-            <a:r>
-              <a:rPr lang="en-US" dirty="0" smtClean="0"/>
-              <a:t>Personally, I quite like </a:t>
-            </a:r>
-            <a:r>
-              <a:rPr lang="en-US" i="1" dirty="0" err="1" smtClean="0"/>
-              <a:t>GraphQL</a:t>
-            </a:r>
-            <a:r>
-              <a:rPr lang="en-US" dirty="0" smtClean="0"/>
-              <a:t>, but current tooling still has many rough </a:t>
-            </a:r>
-            <a:r>
-              <a:rPr lang="en-US" dirty="0" smtClean="0"/>
-              <a:t>edges, and not so widespread yet</a:t>
-            </a:r>
-            <a:endParaRPr lang="en-US" dirty="0" smtClean="0"/>
-          </a:p>
-        </p:txBody>
-      </p:sp>
-    </p:spTree>
-    <p:extLst>
-      <p:ext uri="{BB962C8B-B14F-4D97-AF65-F5344CB8AC3E}">
-        <p14:creationId xmlns:p14="http://schemas.microsoft.com/office/powerpoint/2010/main" val="3697566910"/>
-      </p:ext>
-    </p:extLst>
-  </p:cSld>
-  <p:clrMapOvr>
-    <a:masterClrMapping/>
-  </p:clrMapOvr>
-</p:sld>
-</file>
-
-<file path=ppt/slides/slide17.xml><?xml version="1.0" encoding="utf-8"?>
-<p:sld xmlns:a="http://schemas.openxmlformats.org/drawingml/2006/main" xmlns:r="http://schemas.openxmlformats.org/officeDocument/2006/relationships" xmlns:p="http://schemas.openxmlformats.org/presentationml/2006/main">
-  <p:cSld>
-    <p:spTree>
-      <p:nvGrpSpPr>
-        <p:cNvPr id="1" name=""/>
-        <p:cNvGrpSpPr/>
-        <p:nvPr/>
-      </p:nvGrpSpPr>
-      <p:grpSpPr>
-        <a:xfrm>
-          <a:off x="0" y="0"/>
-          <a:ext cx="0" cy="0"/>
-          <a:chOff x="0" y="0"/>
-          <a:chExt cx="0" cy="0"/>
-        </a:xfrm>
-      </p:grpSpPr>
-      <p:sp>
-        <p:nvSpPr>
-          <p:cNvPr id="2" name="Title 1"/>
-          <p:cNvSpPr>
-            <a:spLocks noGrp="1"/>
-          </p:cNvSpPr>
-          <p:nvPr>
-            <p:ph type="title"/>
-          </p:nvPr>
-        </p:nvSpPr>
-        <p:spPr/>
-        <p:txBody>
-          <a:bodyPr/>
-          <a:lstStyle/>
-          <a:p>
-            <a:r>
-              <a:rPr lang="en-US" dirty="0" err="1" smtClean="0"/>
-              <a:t>GraphQL</a:t>
-            </a:r>
-            <a:r>
-              <a:rPr lang="en-US" dirty="0" smtClean="0"/>
-              <a:t> in </a:t>
-            </a:r>
-            <a:r>
-              <a:rPr lang="en-US" dirty="0" err="1" smtClean="0"/>
-              <a:t>NodeJS</a:t>
-            </a:r>
-            <a:endParaRPr lang="en-US" dirty="0"/>
-          </a:p>
-        </p:txBody>
-      </p:sp>
-      <p:sp>
-        <p:nvSpPr>
-          <p:cNvPr id="3" name="Content Placeholder 2"/>
-          <p:cNvSpPr>
-            <a:spLocks noGrp="1"/>
-          </p:cNvSpPr>
-          <p:nvPr>
-            <p:ph idx="1"/>
-          </p:nvPr>
-        </p:nvSpPr>
-        <p:spPr>
-          <a:xfrm>
-            <a:off x="229725" y="1825625"/>
-            <a:ext cx="11833147" cy="4872468"/>
-          </a:xfrm>
-        </p:spPr>
-        <p:txBody>
-          <a:bodyPr/>
-          <a:lstStyle/>
-          <a:p>
-            <a:r>
-              <a:rPr lang="en-US" dirty="0" smtClean="0"/>
-              <a:t>Going to use library </a:t>
-            </a:r>
-            <a:r>
-              <a:rPr lang="en-US" i="1" dirty="0" smtClean="0"/>
-              <a:t>Apollo</a:t>
-            </a:r>
-            <a:r>
-              <a:rPr lang="en-US" dirty="0" smtClean="0"/>
-              <a:t> to add a “</a:t>
-            </a:r>
-            <a:r>
-              <a:rPr lang="en-US" i="1" dirty="0" smtClean="0"/>
-              <a:t>/</a:t>
-            </a:r>
-            <a:r>
-              <a:rPr lang="en-US" i="1" dirty="0" err="1" smtClean="0"/>
-              <a:t>graphql</a:t>
-            </a:r>
-            <a:r>
-              <a:rPr lang="en-US" dirty="0" smtClean="0"/>
-              <a:t>” endpoint to Express</a:t>
-            </a:r>
-          </a:p>
-          <a:p>
-            <a:r>
-              <a:rPr lang="en-US" dirty="0" smtClean="0"/>
-              <a:t>When making requests with “</a:t>
-            </a:r>
-            <a:r>
-              <a:rPr lang="en-US" i="1" dirty="0" smtClean="0"/>
-              <a:t>Accept:*/*</a:t>
-            </a:r>
-            <a:r>
-              <a:rPr lang="en-US" dirty="0" smtClean="0"/>
-              <a:t>”  or in JSON, we will get back the JSON response of </a:t>
-            </a:r>
-            <a:r>
-              <a:rPr lang="en-US" i="1" dirty="0" err="1" smtClean="0"/>
-              <a:t>GraphQL</a:t>
-            </a:r>
-            <a:endParaRPr lang="en-US" i="1" dirty="0" smtClean="0"/>
-          </a:p>
-          <a:p>
-            <a:r>
-              <a:rPr lang="en-US" dirty="0" smtClean="0"/>
-              <a:t>However, if “</a:t>
-            </a:r>
-            <a:r>
-              <a:rPr lang="en-US" i="1" dirty="0" err="1" smtClean="0"/>
-              <a:t>Accept:text</a:t>
-            </a:r>
-            <a:r>
-              <a:rPr lang="en-US" i="1" dirty="0" smtClean="0"/>
-              <a:t>/html</a:t>
-            </a:r>
-            <a:r>
-              <a:rPr lang="en-US" dirty="0" smtClean="0"/>
-              <a:t>”, we will get a web app in which we can test the </a:t>
-            </a:r>
-            <a:r>
-              <a:rPr lang="en-US" i="1" dirty="0" err="1" smtClean="0"/>
-              <a:t>GraphQL</a:t>
-            </a:r>
-            <a:r>
-              <a:rPr lang="en-US" dirty="0" smtClean="0"/>
-              <a:t> API</a:t>
-            </a:r>
-          </a:p>
-          <a:p>
-            <a:pPr lvl="1"/>
-            <a:r>
-              <a:rPr lang="en-US" dirty="0" smtClean="0"/>
-              <a:t>this is what happens when using address bar in a browser</a:t>
-            </a:r>
-            <a:endParaRPr lang="en-US" dirty="0"/>
-          </a:p>
-        </p:txBody>
-      </p:sp>
-      <p:pic>
-        <p:nvPicPr>
-          <p:cNvPr id="4" name="Picture 3"/>
-          <p:cNvPicPr>
-            <a:picLocks noChangeAspect="1"/>
-          </p:cNvPicPr>
-          <p:nvPr/>
-        </p:nvPicPr>
-        <p:blipFill>
-          <a:blip r:embed="rId2"/>
-          <a:stretch>
-            <a:fillRect/>
-          </a:stretch>
-        </p:blipFill>
-        <p:spPr>
-          <a:xfrm>
-            <a:off x="9522373" y="5270578"/>
-            <a:ext cx="2481942" cy="1473049"/>
-          </a:xfrm>
-          <a:prstGeom prst="rect">
-            <a:avLst/>
-          </a:prstGeom>
-        </p:spPr>
-      </p:pic>
-    </p:spTree>
-    <p:extLst>
-      <p:ext uri="{BB962C8B-B14F-4D97-AF65-F5344CB8AC3E}">
-        <p14:creationId xmlns:p14="http://schemas.microsoft.com/office/powerpoint/2010/main" val="2722541618"/>
+        <p14:creationId xmlns:p14="http://schemas.microsoft.com/office/powerpoint/2010/main" val="1538030212"/>
       </p:ext>
     </p:extLst>
   </p:cSld>
@@ -4990,10 +4420,9 @@
           <a:lstStyle/>
           <a:p>
             <a:r>
-              <a:rPr lang="en-US" dirty="0" smtClean="0"/>
+              <a:rPr lang="en-US" dirty="0"/>
               <a:t>Goals</a:t>
             </a:r>
-            <a:endParaRPr lang="en-US" dirty="0"/>
           </a:p>
         </p:txBody>
       </p:sp>
@@ -5009,230 +4438,62 @@
         </p:nvSpPr>
         <p:spPr>
           <a:xfrm>
-            <a:off x="373380" y="1825625"/>
-            <a:ext cx="11590020" cy="4351338"/>
+            <a:off x="123569" y="1825624"/>
+            <a:ext cx="12002528" cy="4781121"/>
           </a:xfrm>
         </p:spPr>
         <p:txBody>
-          <a:bodyPr>
-            <a:normAutofit/>
-          </a:bodyPr>
-          <a:lstStyle/>
-          <a:p>
-            <a:endParaRPr lang="en-US" dirty="0" smtClean="0"/>
-          </a:p>
-          <a:p>
-            <a:r>
-              <a:rPr lang="en-US" dirty="0" smtClean="0"/>
-              <a:t>Understand how to use and develop </a:t>
-            </a:r>
-            <a:r>
-              <a:rPr lang="en-US" i="1" dirty="0" err="1" smtClean="0"/>
-              <a:t>GraphQL</a:t>
-            </a:r>
-            <a:r>
-              <a:rPr lang="en-US" dirty="0" smtClean="0"/>
-              <a:t> web services</a:t>
+          <a:bodyPr/>
+          <a:lstStyle/>
+          <a:p>
+            <a:r>
+              <a:rPr lang="en-US" dirty="0"/>
+              <a:t>Understand what is the problem that </a:t>
+            </a:r>
+            <a:r>
+              <a:rPr lang="en-US" i="1" dirty="0" err="1"/>
+              <a:t>WebSockets</a:t>
+            </a:r>
+            <a:r>
+              <a:rPr lang="en-US" dirty="0"/>
+              <a:t> solve</a:t>
+            </a:r>
+          </a:p>
+          <a:p>
+            <a:r>
+              <a:rPr lang="en-US" dirty="0"/>
+              <a:t>Learn how to add </a:t>
+            </a:r>
+            <a:r>
+              <a:rPr lang="en-US" i="1" dirty="0" err="1"/>
+              <a:t>WebSocket</a:t>
+            </a:r>
+            <a:r>
+              <a:rPr lang="en-US" dirty="0"/>
+              <a:t> support to a </a:t>
+            </a:r>
+            <a:r>
+              <a:rPr lang="en-US" i="1" dirty="0"/>
+              <a:t>React/</a:t>
+            </a:r>
+            <a:r>
+              <a:rPr lang="en-US" i="1" dirty="0" err="1"/>
+              <a:t>NodeJS</a:t>
+            </a:r>
+            <a:r>
+              <a:rPr lang="en-US" dirty="0"/>
+              <a:t> app</a:t>
             </a:r>
           </a:p>
           <a:p>
             <a:endParaRPr lang="en-US" dirty="0"/>
-          </a:p>
-          <a:p>
-            <a:r>
-              <a:rPr lang="en-US" dirty="0" smtClean="0"/>
-              <a:t>Understand the differences between </a:t>
-            </a:r>
-            <a:r>
-              <a:rPr lang="en-US" i="1" dirty="0" smtClean="0"/>
-              <a:t>REST</a:t>
-            </a:r>
-            <a:r>
-              <a:rPr lang="en-US" dirty="0"/>
-              <a:t> </a:t>
-            </a:r>
-            <a:r>
-              <a:rPr lang="en-US" dirty="0" smtClean="0"/>
-              <a:t>and </a:t>
-            </a:r>
-            <a:r>
-              <a:rPr lang="en-US" i="1" dirty="0" err="1" smtClean="0"/>
-              <a:t>GraphQL</a:t>
-            </a:r>
-            <a:endParaRPr lang="en-US" i="1" dirty="0" smtClean="0"/>
-          </a:p>
-        </p:txBody>
-      </p:sp>
-      <p:sp>
-        <p:nvSpPr>
-          <p:cNvPr id="4" name="Rectangle 1"/>
-          <p:cNvSpPr>
-            <a:spLocks noChangeArrowheads="1"/>
-          </p:cNvSpPr>
-          <p:nvPr/>
-        </p:nvSpPr>
-        <p:spPr bwMode="auto">
-          <a:xfrm>
-            <a:off x="0" y="43934"/>
-            <a:ext cx="184731" cy="369332"/>
-          </a:xfrm>
-          <a:prstGeom prst="rect">
-            <a:avLst/>
-          </a:prstGeom>
-          <a:solidFill>
-            <a:srgbClr val="FFFFFF"/>
-          </a:solidFill>
-          <a:ln>
-            <a:noFill/>
-          </a:ln>
-          <a:effectLst/>
-          <a:extLst>
-            <a:ext uri="{91240B29-F687-4F45-9708-019B960494DF}">
-              <a14:hiddenLine xmlns:a14="http://schemas.microsoft.com/office/drawing/2010/main" w="9525">
-                <a:solidFill>
-                  <a:schemeClr val="tx1"/>
-                </a:solidFill>
-                <a:miter lim="800000"/>
-                <a:headEnd/>
-                <a:tailEnd/>
-              </a14:hiddenLine>
-            </a:ext>
-            <a:ext uri="{AF507438-7753-43E0-B8FC-AC1667EBCBE1}">
-              <a14:hiddenEffects xmlns:a14="http://schemas.microsoft.com/office/drawing/2010/main">
-                <a:effectLst>
-                  <a:outerShdw dist="35921" dir="2700000" algn="ctr" rotWithShape="0">
-                    <a:schemeClr val="bg2"/>
-                  </a:outerShdw>
-                </a:effectLst>
-              </a14:hiddenEffects>
-            </a:ext>
-          </a:extLst>
-        </p:spPr>
-        <p:txBody>
-          <a:bodyPr vert="horz" wrap="none" lIns="91440" tIns="45720" rIns="91440" bIns="45720" numCol="1" anchor="ctr" anchorCtr="0" compatLnSpc="1">
-            <a:prstTxWarp prst="textNoShape">
-              <a:avLst/>
-            </a:prstTxWarp>
-            <a:spAutoFit/>
-          </a:bodyPr>
-          <a:lstStyle/>
-          <a:p>
-            <a:pPr marL="0" marR="0" lvl="0" indent="0" algn="l" defTabSz="914400" rtl="0" eaLnBrk="0" fontAlgn="base" latinLnBrk="0" hangingPunct="0">
-              <a:lnSpc>
-                <a:spcPct val="100000"/>
-              </a:lnSpc>
-              <a:spcBef>
-                <a:spcPct val="0"/>
-              </a:spcBef>
-              <a:spcAft>
-                <a:spcPct val="0"/>
-              </a:spcAft>
-              <a:buClrTx/>
-              <a:buSzTx/>
-              <a:buFontTx/>
-              <a:buNone/>
-              <a:tabLst/>
-            </a:pPr>
-            <a:endParaRPr kumimoji="0" lang="en-US" altLang="en-US" sz="1800" b="0" i="0" u="none" strike="noStrike" cap="none" normalizeH="0" baseline="0" dirty="0" smtClean="0">
-              <a:ln>
-                <a:noFill/>
-              </a:ln>
-              <a:solidFill>
-                <a:schemeClr val="tx1"/>
-              </a:solidFill>
-              <a:effectLst/>
-              <a:latin typeface="Arial" panose="020B0604020202020204" pitchFamily="34" charset="0"/>
-            </a:endParaRPr>
-          </a:p>
-        </p:txBody>
-      </p:sp>
-      <p:sp>
-        <p:nvSpPr>
-          <p:cNvPr id="5" name="Rectangle 2"/>
-          <p:cNvSpPr>
-            <a:spLocks noChangeArrowheads="1"/>
-          </p:cNvSpPr>
-          <p:nvPr/>
-        </p:nvSpPr>
-        <p:spPr bwMode="auto">
-          <a:xfrm>
-            <a:off x="152400" y="407471"/>
-            <a:ext cx="184731" cy="369332"/>
-          </a:xfrm>
-          <a:prstGeom prst="rect">
-            <a:avLst/>
-          </a:prstGeom>
-          <a:solidFill>
-            <a:srgbClr val="FFFFFF"/>
-          </a:solidFill>
-          <a:ln>
-            <a:noFill/>
-          </a:ln>
-          <a:effectLst/>
-          <a:extLst>
-            <a:ext uri="{91240B29-F687-4F45-9708-019B960494DF}">
-              <a14:hiddenLine xmlns:a14="http://schemas.microsoft.com/office/drawing/2010/main" w="9525">
-                <a:solidFill>
-                  <a:schemeClr val="tx1"/>
-                </a:solidFill>
-                <a:miter lim="800000"/>
-                <a:headEnd/>
-                <a:tailEnd/>
-              </a14:hiddenLine>
-            </a:ext>
-            <a:ext uri="{AF507438-7753-43E0-B8FC-AC1667EBCBE1}">
-              <a14:hiddenEffects xmlns:a14="http://schemas.microsoft.com/office/drawing/2010/main">
-                <a:effectLst>
-                  <a:outerShdw dist="35921" dir="2700000" algn="ctr" rotWithShape="0">
-                    <a:schemeClr val="bg2"/>
-                  </a:outerShdw>
-                </a:effectLst>
-              </a14:hiddenEffects>
-            </a:ext>
-          </a:extLst>
-        </p:spPr>
-        <p:txBody>
-          <a:bodyPr vert="horz" wrap="none" lIns="91440" tIns="45720" rIns="91440" bIns="45720" numCol="1" anchor="ctr" anchorCtr="0" compatLnSpc="1">
-            <a:prstTxWarp prst="textNoShape">
-              <a:avLst/>
-            </a:prstTxWarp>
-            <a:spAutoFit/>
-          </a:bodyPr>
-          <a:lstStyle/>
-          <a:p>
-            <a:pPr marL="0" marR="0" lvl="0" indent="0" algn="l" defTabSz="914400" rtl="0" eaLnBrk="0" fontAlgn="base" latinLnBrk="0" hangingPunct="0">
-              <a:lnSpc>
-                <a:spcPct val="100000"/>
-              </a:lnSpc>
-              <a:spcBef>
-                <a:spcPct val="0"/>
-              </a:spcBef>
-              <a:spcAft>
-                <a:spcPct val="0"/>
-              </a:spcAft>
-              <a:buClrTx/>
-              <a:buSzTx/>
-              <a:buFontTx/>
-              <a:buNone/>
-              <a:tabLst/>
-            </a:pPr>
-            <a:endParaRPr kumimoji="0" lang="en-US" altLang="en-US" sz="1800" b="0" i="0" u="none" strike="noStrike" cap="none" normalizeH="0" baseline="0" dirty="0" smtClean="0">
-              <a:ln>
-                <a:noFill/>
-              </a:ln>
-              <a:solidFill>
-                <a:schemeClr val="tx1"/>
-              </a:solidFill>
-              <a:effectLst/>
-              <a:latin typeface="Arial" panose="020B0604020202020204" pitchFamily="34" charset="0"/>
-            </a:endParaRPr>
           </a:p>
         </p:txBody>
       </p:sp>
     </p:spTree>
     <p:extLst>
       <p:ext uri="{BB962C8B-B14F-4D97-AF65-F5344CB8AC3E}">
-        <p14:creationId xmlns:p14="http://schemas.microsoft.com/office/powerpoint/2010/main" val="772506603"/>
+        <p14:creationId xmlns:p14="http://schemas.microsoft.com/office/powerpoint/2010/main" val="1370664921"/>
       </p:ext>
     </p:extLst>
   </p:cSld>
@@ -5261,7 +4522,7 @@
       </p:grpSpPr>
       <p:sp>
         <p:nvSpPr>
-          <p:cNvPr id="2" name="Title 1"/>
+          <p:cNvPr id="4" name="Title 3"/>
           <p:cNvSpPr>
             <a:spLocks noGrp="1"/>
           </p:cNvSpPr>
@@ -5269,110 +4530,14 @@
             <p:ph type="title"/>
           </p:nvPr>
         </p:nvSpPr>
-        <p:spPr>
-          <a:xfrm>
-            <a:off x="156519" y="365125"/>
-            <a:ext cx="11837773" cy="1325563"/>
-          </a:xfrm>
-        </p:spPr>
-        <p:txBody>
-          <a:bodyPr>
-            <a:normAutofit/>
-          </a:bodyPr>
-          <a:lstStyle/>
-          <a:p>
-            <a:r>
-              <a:rPr lang="en-US" dirty="0" smtClean="0"/>
-              <a:t>Graph Query Language (</a:t>
-            </a:r>
-            <a:r>
-              <a:rPr lang="en-US" dirty="0" err="1" smtClean="0"/>
-              <a:t>GraphQL</a:t>
-            </a:r>
-            <a:r>
-              <a:rPr lang="en-US" dirty="0" smtClean="0"/>
-              <a:t>)</a:t>
-            </a:r>
-            <a:endParaRPr lang="en-US" dirty="0"/>
-          </a:p>
-        </p:txBody>
-      </p:sp>
-      <p:sp>
-        <p:nvSpPr>
-          <p:cNvPr id="3" name="Content Placeholder 2"/>
-          <p:cNvSpPr>
-            <a:spLocks noGrp="1"/>
-          </p:cNvSpPr>
-          <p:nvPr>
-            <p:ph idx="1"/>
-          </p:nvPr>
-        </p:nvSpPr>
-        <p:spPr>
-          <a:xfrm>
-            <a:off x="238897" y="1825624"/>
-            <a:ext cx="11755395" cy="4896451"/>
-          </a:xfrm>
-        </p:spPr>
-        <p:txBody>
-          <a:bodyPr/>
-          <a:lstStyle/>
-          <a:p>
-            <a:r>
-              <a:rPr lang="en-US" dirty="0" smtClean="0"/>
-              <a:t>Made by Facebook </a:t>
-            </a:r>
-          </a:p>
-          <a:p>
-            <a:pPr lvl="1"/>
-            <a:r>
-              <a:rPr lang="en-US" dirty="0" smtClean="0"/>
-              <a:t>in 2012, but publically released in 2015</a:t>
-            </a:r>
-          </a:p>
-          <a:p>
-            <a:r>
-              <a:rPr lang="en-US" dirty="0" smtClean="0"/>
-              <a:t>Actual </a:t>
-            </a:r>
-            <a:r>
-              <a:rPr lang="en-US" i="1" dirty="0" smtClean="0"/>
-              <a:t>protocol</a:t>
-            </a:r>
-            <a:r>
-              <a:rPr lang="en-US" dirty="0" smtClean="0"/>
-              <a:t> used to define how an API can be queried with a specific query language</a:t>
-            </a:r>
-          </a:p>
-          <a:p>
-            <a:r>
-              <a:rPr lang="en-US" dirty="0" smtClean="0"/>
-              <a:t>A </a:t>
-            </a:r>
-            <a:r>
-              <a:rPr lang="en-US" i="1" dirty="0" err="1" smtClean="0"/>
-              <a:t>GraphQL</a:t>
-            </a:r>
-            <a:r>
-              <a:rPr lang="en-US" dirty="0" smtClean="0"/>
-              <a:t> Web Service will typically run on HTTP, where the </a:t>
-            </a:r>
-            <a:r>
-              <a:rPr lang="en-US" i="1" dirty="0" err="1" smtClean="0"/>
-              <a:t>GraphQL</a:t>
-            </a:r>
-            <a:r>
-              <a:rPr lang="en-US" dirty="0" smtClean="0"/>
-              <a:t> queries are sent as part of the HTTP messages</a:t>
-            </a:r>
-          </a:p>
-          <a:p>
-            <a:r>
-              <a:rPr lang="en-US" i="1" dirty="0" err="1" smtClean="0"/>
-              <a:t>GraphQL</a:t>
-            </a:r>
-            <a:r>
-              <a:rPr lang="en-US" dirty="0" smtClean="0"/>
-              <a:t> can be used outside of HTTP</a:t>
+        <p:spPr/>
+        <p:txBody>
+          <a:bodyPr/>
+          <a:lstStyle/>
+          <a:p>
+            <a:r>
+              <a:rPr lang="en-US" dirty="0" err="1"/>
+              <a:t>WebSockets</a:t>
             </a:r>
             <a:endParaRPr lang="en-US" dirty="0"/>
           </a:p>
@@ -5381,7 +4546,7 @@
     </p:spTree>
     <p:extLst>
       <p:ext uri="{BB962C8B-B14F-4D97-AF65-F5344CB8AC3E}">
-        <p14:creationId xmlns:p14="http://schemas.microsoft.com/office/powerpoint/2010/main" val="1891570813"/>
+        <p14:creationId xmlns:p14="http://schemas.microsoft.com/office/powerpoint/2010/main" val="3370532982"/>
       </p:ext>
     </p:extLst>
   </p:cSld>
@@ -5418,392 +4583,79 @@
             <p:ph type="title"/>
           </p:nvPr>
         </p:nvSpPr>
+        <p:spPr/>
+        <p:txBody>
+          <a:bodyPr/>
+          <a:lstStyle/>
+          <a:p>
+            <a:r>
+              <a:rPr lang="en-US" dirty="0"/>
+              <a:t>Chat Application</a:t>
+            </a:r>
+          </a:p>
+        </p:txBody>
+      </p:sp>
+      <p:sp>
+        <p:nvSpPr>
+          <p:cNvPr id="3" name="Content Placeholder 2"/>
+          <p:cNvSpPr>
+            <a:spLocks noGrp="1"/>
+          </p:cNvSpPr>
+          <p:nvPr>
+            <p:ph idx="1"/>
+          </p:nvPr>
+        </p:nvSpPr>
         <p:spPr>
           <a:xfrm>
-            <a:off x="149088" y="29565"/>
-            <a:ext cx="11941460" cy="1150860"/>
+            <a:off x="234950" y="1825624"/>
+            <a:ext cx="7150100" cy="4848225"/>
           </a:xfrm>
         </p:spPr>
         <p:txBody>
-          <a:bodyPr>
-            <a:normAutofit fontScale="90000"/>
-          </a:bodyPr>
-          <a:lstStyle/>
-          <a:p>
-            <a:r>
-              <a:rPr lang="en-US" sz="8800" dirty="0" smtClean="0"/>
-              <a:t>API Data as a Directed Graph</a:t>
-            </a:r>
-            <a:endParaRPr lang="en-US" sz="8800" dirty="0"/>
-          </a:p>
-        </p:txBody>
-      </p:sp>
-      <p:sp>
-        <p:nvSpPr>
-          <p:cNvPr id="3" name="Content Placeholder 2"/>
-          <p:cNvSpPr>
-            <a:spLocks noGrp="1"/>
-          </p:cNvSpPr>
-          <p:nvPr>
-            <p:ph idx="1"/>
-          </p:nvPr>
-        </p:nvSpPr>
+          <a:bodyPr/>
+          <a:lstStyle/>
+          <a:p>
+            <a:r>
+              <a:rPr lang="en-US" dirty="0"/>
+              <a:t>How would you implement a chat app in a browser?</a:t>
+            </a:r>
+          </a:p>
+          <a:p>
+            <a:r>
+              <a:rPr lang="en-US" dirty="0"/>
+              <a:t>It is not as simple as it sounds…</a:t>
+            </a:r>
+          </a:p>
+        </p:txBody>
+      </p:sp>
+      <p:pic>
+        <p:nvPicPr>
+          <p:cNvPr id="4" name="Picture 3"/>
+          <p:cNvPicPr>
+            <a:picLocks noChangeAspect="1"/>
+          </p:cNvPicPr>
+          <p:nvPr/>
+        </p:nvPicPr>
+        <p:blipFill>
+          <a:blip r:embed="rId2"/>
+          <a:stretch>
+            <a:fillRect/>
+          </a:stretch>
+        </p:blipFill>
         <p:spPr>
           <a:xfrm>
-            <a:off x="345989" y="1273547"/>
-            <a:ext cx="11744558" cy="1213840"/>
+            <a:off x="7576344" y="1596376"/>
+            <a:ext cx="4471936" cy="5179074"/>
           </a:xfrm>
-        </p:spPr>
-        <p:txBody>
-          <a:bodyPr>
-            <a:noAutofit/>
-          </a:bodyPr>
-          <a:lstStyle/>
-          <a:p>
-            <a:r>
-              <a:rPr lang="en-US" sz="3200" dirty="0" err="1" smtClean="0"/>
-              <a:t>Eg</a:t>
-            </a:r>
-            <a:r>
-              <a:rPr lang="en-US" sz="3200" dirty="0" smtClean="0"/>
-              <a:t>, forum posts with comments, and author info</a:t>
-            </a:r>
-          </a:p>
-          <a:p>
-            <a:r>
-              <a:rPr lang="en-US" sz="3200" dirty="0"/>
-              <a:t>O</a:t>
-            </a:r>
-            <a:r>
-              <a:rPr lang="en-US" sz="3200" dirty="0" smtClean="0"/>
-              <a:t>n backend, could be saved in a SQL database</a:t>
-            </a:r>
-            <a:endParaRPr lang="en-US" sz="3200" dirty="0"/>
-          </a:p>
-        </p:txBody>
-      </p:sp>
-      <p:sp>
-        <p:nvSpPr>
-          <p:cNvPr id="4" name="Rounded Rectangle 3"/>
-          <p:cNvSpPr/>
-          <p:nvPr/>
-        </p:nvSpPr>
-        <p:spPr>
-          <a:xfrm>
-            <a:off x="1461053" y="2544417"/>
-            <a:ext cx="2617752" cy="2247319"/>
-          </a:xfrm>
-          <a:prstGeom prst="roundRect">
+          <a:prstGeom prst="rect">
             <a:avLst/>
           </a:prstGeom>
         </p:spPr>
-        <p:style>
-          <a:lnRef idx="2">
-            <a:schemeClr val="accent4">
-              <a:shade val="50000"/>
-            </a:schemeClr>
-          </a:lnRef>
-          <a:fillRef idx="1">
-            <a:schemeClr val="accent4"/>
-          </a:fillRef>
-          <a:effectRef idx="0">
-            <a:schemeClr val="accent4"/>
-          </a:effectRef>
-          <a:fontRef idx="minor">
-            <a:schemeClr val="lt1"/>
-          </a:fontRef>
-        </p:style>
-        <p:txBody>
-          <a:bodyPr rtlCol="0" anchor="ctr"/>
-          <a:lstStyle/>
-          <a:p>
-            <a:r>
-              <a:rPr lang="en-US" sz="2800" dirty="0" smtClean="0"/>
-              <a:t>News:</a:t>
-            </a:r>
-            <a:endParaRPr lang="en-US" sz="2800" dirty="0" smtClean="0"/>
-          </a:p>
-          <a:p>
-            <a:r>
-              <a:rPr lang="en-US" sz="2800" dirty="0" smtClean="0"/>
-              <a:t>- author</a:t>
-            </a:r>
-          </a:p>
-          <a:p>
-            <a:r>
-              <a:rPr lang="en-US" sz="2800" dirty="0" smtClean="0"/>
-              <a:t>- text</a:t>
-            </a:r>
-          </a:p>
-          <a:p>
-            <a:r>
-              <a:rPr lang="en-US" sz="2800" dirty="0" smtClean="0"/>
-              <a:t>- comments</a:t>
-            </a:r>
-          </a:p>
-          <a:p>
-            <a:r>
-              <a:rPr lang="en-US" sz="2800" dirty="0" smtClean="0"/>
-              <a:t>- id</a:t>
-            </a:r>
-            <a:endParaRPr lang="en-US" sz="2800" dirty="0"/>
-          </a:p>
-        </p:txBody>
-      </p:sp>
-      <p:sp>
-        <p:nvSpPr>
-          <p:cNvPr id="7" name="Rounded Rectangle 6"/>
-          <p:cNvSpPr/>
-          <p:nvPr/>
-        </p:nvSpPr>
-        <p:spPr>
-          <a:xfrm>
-            <a:off x="4919062" y="4561883"/>
-            <a:ext cx="2326564" cy="2182221"/>
-          </a:xfrm>
-          <a:prstGeom prst="roundRect">
-            <a:avLst/>
-          </a:prstGeom>
-        </p:spPr>
-        <p:style>
-          <a:lnRef idx="2">
-            <a:schemeClr val="accent4">
-              <a:shade val="50000"/>
-            </a:schemeClr>
-          </a:lnRef>
-          <a:fillRef idx="1">
-            <a:schemeClr val="accent4"/>
-          </a:fillRef>
-          <a:effectRef idx="0">
-            <a:schemeClr val="accent4"/>
-          </a:effectRef>
-          <a:fontRef idx="minor">
-            <a:schemeClr val="lt1"/>
-          </a:fontRef>
-        </p:style>
-        <p:txBody>
-          <a:bodyPr rtlCol="0" anchor="ctr"/>
-          <a:lstStyle/>
-          <a:p>
-            <a:r>
-              <a:rPr lang="en-US" sz="2800" dirty="0" smtClean="0"/>
-              <a:t>COMMENT:</a:t>
-            </a:r>
-          </a:p>
-          <a:p>
-            <a:r>
-              <a:rPr lang="en-US" sz="2800" dirty="0" smtClean="0"/>
-              <a:t>- author</a:t>
-            </a:r>
-          </a:p>
-          <a:p>
-            <a:r>
-              <a:rPr lang="en-US" sz="2800" dirty="0" smtClean="0"/>
-              <a:t>- </a:t>
-            </a:r>
-            <a:r>
-              <a:rPr lang="en-US" sz="2800" dirty="0" smtClean="0"/>
-              <a:t>news</a:t>
-            </a:r>
-            <a:endParaRPr lang="en-US" sz="2800" dirty="0" smtClean="0"/>
-          </a:p>
-          <a:p>
-            <a:r>
-              <a:rPr lang="en-US" sz="2800" dirty="0" smtClean="0"/>
-              <a:t>- text</a:t>
-            </a:r>
-          </a:p>
-          <a:p>
-            <a:r>
-              <a:rPr lang="en-US" sz="2800" dirty="0" smtClean="0"/>
-              <a:t>- id</a:t>
-            </a:r>
-          </a:p>
-        </p:txBody>
-      </p:sp>
-      <p:sp>
-        <p:nvSpPr>
-          <p:cNvPr id="8" name="Rounded Rectangle 7"/>
-          <p:cNvSpPr/>
-          <p:nvPr/>
-        </p:nvSpPr>
-        <p:spPr>
-          <a:xfrm>
-            <a:off x="7859971" y="2774272"/>
-            <a:ext cx="2232455" cy="1787611"/>
-          </a:xfrm>
-          <a:prstGeom prst="roundRect">
-            <a:avLst/>
-          </a:prstGeom>
-        </p:spPr>
-        <p:style>
-          <a:lnRef idx="2">
-            <a:schemeClr val="accent4">
-              <a:shade val="50000"/>
-            </a:schemeClr>
-          </a:lnRef>
-          <a:fillRef idx="1">
-            <a:schemeClr val="accent4"/>
-          </a:fillRef>
-          <a:effectRef idx="0">
-            <a:schemeClr val="accent4"/>
-          </a:effectRef>
-          <a:fontRef idx="minor">
-            <a:schemeClr val="lt1"/>
-          </a:fontRef>
-        </p:style>
-        <p:txBody>
-          <a:bodyPr rtlCol="0" anchor="ctr"/>
-          <a:lstStyle/>
-          <a:p>
-            <a:r>
-              <a:rPr lang="en-US" sz="2800" dirty="0" smtClean="0"/>
-              <a:t>User:</a:t>
-            </a:r>
-            <a:endParaRPr lang="en-US" sz="2800" dirty="0" smtClean="0"/>
-          </a:p>
-          <a:p>
-            <a:r>
-              <a:rPr lang="en-US" sz="2800" dirty="0" smtClean="0"/>
-              <a:t>- name</a:t>
-            </a:r>
-          </a:p>
-          <a:p>
-            <a:r>
-              <a:rPr lang="en-US" sz="2800" dirty="0" smtClean="0"/>
-              <a:t>- surname</a:t>
-            </a:r>
-          </a:p>
-          <a:p>
-            <a:r>
-              <a:rPr lang="en-US" sz="2800" dirty="0" smtClean="0"/>
-              <a:t>- id</a:t>
-            </a:r>
-          </a:p>
-        </p:txBody>
-      </p:sp>
-      <p:cxnSp>
-        <p:nvCxnSpPr>
-          <p:cNvPr id="11" name="Straight Arrow Connector 10"/>
-          <p:cNvCxnSpPr>
-            <a:stCxn id="4" idx="3"/>
-            <a:endCxn id="8" idx="1"/>
-          </p:cNvCxnSpPr>
-          <p:nvPr/>
-        </p:nvCxnSpPr>
-        <p:spPr>
-          <a:xfrm>
-            <a:off x="4078805" y="3668077"/>
-            <a:ext cx="3781166" cy="1"/>
-          </a:xfrm>
-          <a:prstGeom prst="straightConnector1">
-            <a:avLst/>
-          </a:prstGeom>
-          <a:ln w="88900">
-            <a:solidFill>
-              <a:schemeClr val="tx1"/>
-            </a:solidFill>
-            <a:tailEnd type="triangle"/>
-          </a:ln>
-        </p:spPr>
-        <p:style>
-          <a:lnRef idx="1">
-            <a:schemeClr val="accent1"/>
-          </a:lnRef>
-          <a:fillRef idx="0">
-            <a:schemeClr val="accent1"/>
-          </a:fillRef>
-          <a:effectRef idx="0">
-            <a:schemeClr val="accent1"/>
-          </a:effectRef>
-          <a:fontRef idx="minor">
-            <a:schemeClr val="tx1"/>
-          </a:fontRef>
-        </p:style>
-      </p:cxnSp>
-      <p:cxnSp>
-        <p:nvCxnSpPr>
-          <p:cNvPr id="12" name="Straight Arrow Connector 11"/>
-          <p:cNvCxnSpPr>
-            <a:stCxn id="4" idx="2"/>
-            <a:endCxn id="7" idx="1"/>
-          </p:cNvCxnSpPr>
-          <p:nvPr/>
-        </p:nvCxnSpPr>
-        <p:spPr>
-          <a:xfrm>
-            <a:off x="2769929" y="4791736"/>
-            <a:ext cx="2149133" cy="861258"/>
-          </a:xfrm>
-          <a:prstGeom prst="straightConnector1">
-            <a:avLst/>
-          </a:prstGeom>
-          <a:ln w="88900">
-            <a:solidFill>
-              <a:schemeClr val="tx1"/>
-            </a:solidFill>
-            <a:headEnd type="triangle"/>
-            <a:tailEnd type="triangle"/>
-          </a:ln>
-        </p:spPr>
-        <p:style>
-          <a:lnRef idx="1">
-            <a:schemeClr val="accent1"/>
-          </a:lnRef>
-          <a:fillRef idx="0">
-            <a:schemeClr val="accent1"/>
-          </a:fillRef>
-          <a:effectRef idx="0">
-            <a:schemeClr val="accent1"/>
-          </a:effectRef>
-          <a:fontRef idx="minor">
-            <a:schemeClr val="tx1"/>
-          </a:fontRef>
-        </p:style>
-      </p:cxnSp>
-      <p:cxnSp>
-        <p:nvCxnSpPr>
-          <p:cNvPr id="13" name="Straight Arrow Connector 12"/>
-          <p:cNvCxnSpPr>
-            <a:stCxn id="7" idx="3"/>
-            <a:endCxn id="8" idx="2"/>
-          </p:cNvCxnSpPr>
-          <p:nvPr/>
-        </p:nvCxnSpPr>
-        <p:spPr>
-          <a:xfrm flipV="1">
-            <a:off x="7245626" y="4561883"/>
-            <a:ext cx="1730573" cy="1091111"/>
-          </a:xfrm>
-          <a:prstGeom prst="straightConnector1">
-            <a:avLst/>
-          </a:prstGeom>
-          <a:ln w="88900">
-            <a:solidFill>
-              <a:schemeClr val="tx1"/>
-            </a:solidFill>
-            <a:tailEnd type="triangle"/>
-          </a:ln>
-        </p:spPr>
-        <p:style>
-          <a:lnRef idx="1">
-            <a:schemeClr val="accent1"/>
-          </a:lnRef>
-          <a:fillRef idx="0">
-            <a:schemeClr val="accent1"/>
-          </a:fillRef>
-          <a:effectRef idx="0">
-            <a:schemeClr val="accent1"/>
-          </a:effectRef>
-          <a:fontRef idx="minor">
-            <a:schemeClr val="tx1"/>
-          </a:fontRef>
-        </p:style>
-      </p:cxnSp>
+      </p:pic>
     </p:spTree>
     <p:extLst>
       <p:ext uri="{BB962C8B-B14F-4D97-AF65-F5344CB8AC3E}">
-        <p14:creationId xmlns:p14="http://schemas.microsoft.com/office/powerpoint/2010/main" val="1495026265"/>
+        <p14:creationId xmlns:p14="http://schemas.microsoft.com/office/powerpoint/2010/main" val="558081859"/>
       </p:ext>
     </p:extLst>
   </p:cSld>
@@ -5842,40 +4694,8 @@
         </p:nvSpPr>
         <p:spPr>
           <a:xfrm>
-            <a:off x="268357" y="265733"/>
-            <a:ext cx="11085443" cy="1325563"/>
-          </a:xfrm>
-        </p:spPr>
-        <p:txBody>
-          <a:bodyPr/>
-          <a:lstStyle/>
-          <a:p>
-            <a:r>
-              <a:rPr lang="en-US" dirty="0" err="1" smtClean="0"/>
-              <a:t>GraphQL</a:t>
-            </a:r>
-            <a:r>
-              <a:rPr lang="en-US" dirty="0" smtClean="0"/>
-              <a:t> Queries</a:t>
-            </a:r>
-            <a:endParaRPr lang="en-US" dirty="0"/>
-          </a:p>
-        </p:txBody>
-      </p:sp>
-      <p:sp>
-        <p:nvSpPr>
-          <p:cNvPr id="3" name="Content Placeholder 2"/>
-          <p:cNvSpPr>
-            <a:spLocks noGrp="1"/>
-          </p:cNvSpPr>
-          <p:nvPr>
-            <p:ph idx="1"/>
-          </p:nvPr>
-        </p:nvSpPr>
-        <p:spPr>
-          <a:xfrm>
-            <a:off x="139148" y="1825625"/>
-            <a:ext cx="11946835" cy="4813714"/>
+            <a:off x="292100" y="365125"/>
+            <a:ext cx="11550650" cy="1325563"/>
           </a:xfrm>
         </p:spPr>
         <p:txBody>
@@ -5885,59 +4705,80 @@
           <a:lstStyle/>
           <a:p>
             <a:r>
-              <a:rPr lang="en-US" dirty="0" smtClean="0"/>
-              <a:t>Start from a method that returns elements of one of the nodes in the data graph</a:t>
-            </a:r>
-          </a:p>
-          <a:p>
-            <a:r>
-              <a:rPr lang="en-US" dirty="0" smtClean="0"/>
-              <a:t>Exactly specify which fields in the node to retrieve</a:t>
+              <a:rPr lang="en-US" dirty="0"/>
+              <a:t>Option 1: Server-Side Templates</a:t>
+            </a:r>
+          </a:p>
+        </p:txBody>
+      </p:sp>
+      <p:sp>
+        <p:nvSpPr>
+          <p:cNvPr id="3" name="Content Placeholder 2"/>
+          <p:cNvSpPr>
+            <a:spLocks noGrp="1"/>
+          </p:cNvSpPr>
+          <p:nvPr>
+            <p:ph idx="1"/>
+          </p:nvPr>
+        </p:nvSpPr>
+        <p:spPr>
+          <a:xfrm>
+            <a:off x="292100" y="1825624"/>
+            <a:ext cx="11664950" cy="4784725"/>
+          </a:xfrm>
+        </p:spPr>
+        <p:txBody>
+          <a:bodyPr/>
+          <a:lstStyle/>
+          <a:p>
+            <a:r>
+              <a:rPr lang="en-US" dirty="0"/>
+              <a:t>GET HTML page with current messages </a:t>
+            </a:r>
+          </a:p>
+          <a:p>
+            <a:r>
+              <a:rPr lang="en-US" dirty="0"/>
+              <a:t>Create new message with a POST form submission, returning the updated HTML page</a:t>
+            </a:r>
+          </a:p>
+          <a:p>
+            <a:r>
+              <a:rPr lang="en-US" i="1" dirty="0"/>
+              <a:t>Issue 0</a:t>
+            </a:r>
+            <a:r>
+              <a:rPr lang="en-US" dirty="0"/>
+              <a:t>: download all messages even if only 1 new is created</a:t>
+            </a:r>
+          </a:p>
+          <a:p>
+            <a:r>
+              <a:rPr lang="en-US" i="1" dirty="0"/>
+              <a:t>Issue 1</a:t>
+            </a:r>
+            <a:r>
+              <a:rPr lang="en-US" dirty="0"/>
+              <a:t>: current user will not see the new messages of other users until s/he interacts with the app</a:t>
             </a:r>
           </a:p>
           <a:p>
             <a:pPr lvl="1"/>
             <a:r>
-              <a:rPr lang="en-US" dirty="0" err="1" smtClean="0"/>
+              <a:rPr lang="en-US" dirty="0" err="1"/>
               <a:t>eg</a:t>
             </a:r>
             <a:r>
-              <a:rPr lang="en-US" dirty="0" smtClean="0"/>
-              <a:t> just surname and no name in Author</a:t>
-            </a:r>
-          </a:p>
-          <a:p>
-            <a:r>
-              <a:rPr lang="en-US" dirty="0" smtClean="0"/>
-              <a:t>Can follow links on the graph to retrieve other connected data</a:t>
-            </a:r>
-          </a:p>
-          <a:p>
-            <a:r>
-              <a:rPr lang="en-US" dirty="0" smtClean="0"/>
-              <a:t>On such links, still need to specify the fields to retrieve</a:t>
-            </a:r>
-          </a:p>
-          <a:p>
-            <a:r>
-              <a:rPr lang="en-US" dirty="0" smtClean="0"/>
-              <a:t>From links can follow other links</a:t>
-            </a:r>
-          </a:p>
-          <a:p>
-            <a:pPr lvl="1"/>
-            <a:r>
-              <a:rPr lang="en-US" dirty="0" smtClean="0"/>
-              <a:t>being a graph and not a tree, same data could be accessed several times </a:t>
-            </a:r>
-            <a:endParaRPr lang="en-US" dirty="0"/>
+              <a:rPr lang="en-US" dirty="0"/>
+              <a:t>, reload page or post new message</a:t>
+            </a:r>
           </a:p>
         </p:txBody>
       </p:sp>
     </p:spTree>
     <p:extLst>
       <p:ext uri="{BB962C8B-B14F-4D97-AF65-F5344CB8AC3E}">
-        <p14:creationId xmlns:p14="http://schemas.microsoft.com/office/powerpoint/2010/main" val="2899135074"/>
+        <p14:creationId xmlns:p14="http://schemas.microsoft.com/office/powerpoint/2010/main" val="3862262657"/>
       </p:ext>
     </p:extLst>
   </p:cSld>
@@ -5966,6 +4807,28 @@
       </p:grpSpPr>
       <p:sp>
         <p:nvSpPr>
+          <p:cNvPr id="2" name="Title 1"/>
+          <p:cNvSpPr>
+            <a:spLocks noGrp="1"/>
+          </p:cNvSpPr>
+          <p:nvPr>
+            <p:ph type="title"/>
+          </p:nvPr>
+        </p:nvSpPr>
+        <p:spPr/>
+        <p:txBody>
+          <a:bodyPr/>
+          <a:lstStyle/>
+          <a:p>
+            <a:r>
+              <a:rPr lang="en-US" dirty="0"/>
+              <a:t>Option 2: AJAX Polling</a:t>
+            </a:r>
+          </a:p>
+        </p:txBody>
+      </p:sp>
+      <p:sp>
+        <p:nvSpPr>
           <p:cNvPr id="3" name="Content Placeholder 2"/>
           <p:cNvSpPr>
             <a:spLocks noGrp="1"/>
@@ -5976,59 +4839,84 @@
         </p:nvSpPr>
         <p:spPr>
           <a:xfrm>
-            <a:off x="171168" y="76528"/>
-            <a:ext cx="11845241" cy="702740"/>
+            <a:off x="387350" y="1825624"/>
+            <a:ext cx="11569700" cy="4791076"/>
           </a:xfrm>
         </p:spPr>
         <p:txBody>
-          <a:bodyPr>
-            <a:normAutofit/>
-          </a:bodyPr>
-          <a:lstStyle/>
-          <a:p>
-            <a:pPr marL="0" indent="0">
-              <a:buNone/>
-            </a:pPr>
-            <a:r>
-              <a:rPr lang="en-US" dirty="0" smtClean="0"/>
-              <a:t>Can use tools to </a:t>
-            </a:r>
-            <a:r>
-              <a:rPr lang="en-US" dirty="0" smtClean="0"/>
-              <a:t>visualize and debug queries </a:t>
-            </a:r>
-            <a:endParaRPr lang="en-US" dirty="0"/>
-          </a:p>
-        </p:txBody>
-      </p:sp>
-      <p:pic>
-        <p:nvPicPr>
-          <p:cNvPr id="2" name="Picture 1"/>
-          <p:cNvPicPr>
-            <a:picLocks noChangeAspect="1"/>
-          </p:cNvPicPr>
-          <p:nvPr/>
-        </p:nvPicPr>
-        <p:blipFill>
-          <a:blip r:embed="rId2"/>
-          <a:stretch>
-            <a:fillRect/>
-          </a:stretch>
-        </p:blipFill>
-        <p:spPr>
-          <a:xfrm>
-            <a:off x="297575" y="849037"/>
-            <a:ext cx="9810373" cy="5822520"/>
-          </a:xfrm>
-          <a:prstGeom prst="rect">
-            <a:avLst/>
-          </a:prstGeom>
-        </p:spPr>
-      </p:pic>
+          <a:bodyPr/>
+          <a:lstStyle/>
+          <a:p>
+            <a:r>
+              <a:rPr lang="en-US" dirty="0"/>
+              <a:t>Use AJAX to fetch list of only the new messages to display</a:t>
+            </a:r>
+          </a:p>
+          <a:p>
+            <a:r>
+              <a:rPr lang="en-US" dirty="0"/>
+              <a:t>Repeat AJAX calls in a loop, </a:t>
+            </a:r>
+            <a:r>
+              <a:rPr lang="en-US" dirty="0" err="1"/>
+              <a:t>eg</a:t>
+            </a:r>
+            <a:r>
+              <a:rPr lang="en-US" dirty="0"/>
+              <a:t> every X milliseconds</a:t>
+            </a:r>
+          </a:p>
+          <a:p>
+            <a:r>
+              <a:rPr lang="en-US" i="1" dirty="0"/>
+              <a:t>Issue 0</a:t>
+            </a:r>
+            <a:r>
+              <a:rPr lang="en-US" dirty="0"/>
+              <a:t>: might have to wait up to X </a:t>
+            </a:r>
+            <a:r>
+              <a:rPr lang="en-US" dirty="0" err="1"/>
+              <a:t>ms</a:t>
+            </a:r>
+            <a:r>
+              <a:rPr lang="en-US" dirty="0"/>
+              <a:t> before seeing the new messages from other users</a:t>
+            </a:r>
+          </a:p>
+          <a:p>
+            <a:r>
+              <a:rPr lang="en-US" i="1" dirty="0"/>
+              <a:t>Issue 1</a:t>
+            </a:r>
+            <a:r>
+              <a:rPr lang="en-US" dirty="0"/>
+              <a:t>: if no new messages, all these AJAX requests are a huge waste of bandwidth</a:t>
+            </a:r>
+          </a:p>
+          <a:p>
+            <a:r>
+              <a:rPr lang="en-US" dirty="0"/>
+              <a:t>Choosing X is a tradeoff between Issue 0 and 1</a:t>
+            </a:r>
+          </a:p>
+          <a:p>
+            <a:pPr lvl="1"/>
+            <a:r>
+              <a:rPr lang="en-US" dirty="0" err="1"/>
+              <a:t>eg</a:t>
+            </a:r>
+            <a:r>
+              <a:rPr lang="en-US" dirty="0"/>
+              <a:t>, small X improves usability, but at a huge bandwidth waste cost</a:t>
+            </a:r>
+          </a:p>
+        </p:txBody>
+      </p:sp>
     </p:spTree>
     <p:extLst>
       <p:ext uri="{BB962C8B-B14F-4D97-AF65-F5344CB8AC3E}">
-        <p14:creationId xmlns:p14="http://schemas.microsoft.com/office/powerpoint/2010/main" val="415232136"/>
+        <p14:creationId xmlns:p14="http://schemas.microsoft.com/office/powerpoint/2010/main" val="830326510"/>
       </p:ext>
     </p:extLst>
   </p:cSld>
@@ -6065,324 +4953,123 @@
             <p:ph type="title"/>
           </p:nvPr>
         </p:nvSpPr>
+        <p:spPr/>
+        <p:txBody>
+          <a:bodyPr/>
+          <a:lstStyle/>
+          <a:p>
+            <a:r>
+              <a:rPr lang="en-US" dirty="0"/>
+              <a:t>Option 3: </a:t>
+            </a:r>
+            <a:r>
+              <a:rPr lang="en-US" dirty="0" err="1"/>
+              <a:t>WebSockets</a:t>
+            </a:r>
+            <a:endParaRPr lang="en-US" dirty="0"/>
+          </a:p>
+        </p:txBody>
+      </p:sp>
+      <p:sp>
+        <p:nvSpPr>
+          <p:cNvPr id="3" name="Content Placeholder 2"/>
+          <p:cNvSpPr>
+            <a:spLocks noGrp="1"/>
+          </p:cNvSpPr>
+          <p:nvPr>
+            <p:ph idx="1"/>
+          </p:nvPr>
+        </p:nvSpPr>
         <p:spPr>
           <a:xfrm>
-            <a:off x="838200" y="196160"/>
-            <a:ext cx="10515600" cy="1325563"/>
+            <a:off x="311150" y="1825624"/>
+            <a:ext cx="11607800" cy="4841876"/>
           </a:xfrm>
         </p:spPr>
         <p:txBody>
-          <a:bodyPr/>
-          <a:lstStyle/>
-          <a:p>
-            <a:r>
-              <a:rPr lang="en-US" dirty="0" smtClean="0"/>
-              <a:t>Structure of a Query</a:t>
-            </a:r>
-            <a:endParaRPr lang="en-US" dirty="0"/>
-          </a:p>
-        </p:txBody>
-      </p:sp>
-      <p:sp>
-        <p:nvSpPr>
-          <p:cNvPr id="3" name="Content Placeholder 2"/>
-          <p:cNvSpPr>
-            <a:spLocks noGrp="1"/>
-          </p:cNvSpPr>
-          <p:nvPr>
-            <p:ph idx="1"/>
-          </p:nvPr>
-        </p:nvSpPr>
-        <p:spPr>
-          <a:xfrm>
-            <a:off x="6182140" y="1521723"/>
-            <a:ext cx="5814390" cy="5077860"/>
-          </a:xfrm>
-        </p:spPr>
-        <p:txBody>
-          <a:bodyPr/>
-          <a:lstStyle/>
-          <a:p>
-            <a:r>
-              <a:rPr lang="en-US" dirty="0" smtClean="0"/>
-              <a:t>Need an entry point </a:t>
+          <a:bodyPr>
+            <a:normAutofit fontScale="92500" lnSpcReduction="10000"/>
+          </a:bodyPr>
+          <a:lstStyle/>
+          <a:p>
+            <a:r>
+              <a:rPr lang="en-US" dirty="0"/>
+              <a:t>Besides HTTP, establish a WS connection</a:t>
             </a:r>
           </a:p>
           <a:p>
             <a:pPr lvl="1"/>
             <a:r>
-              <a:rPr lang="en-US" dirty="0" err="1" smtClean="0"/>
-              <a:t>eg</a:t>
-            </a:r>
-            <a:r>
-              <a:rPr lang="en-US" dirty="0" smtClean="0"/>
-              <a:t>, </a:t>
-            </a:r>
-            <a:r>
-              <a:rPr lang="en-US" i="1" dirty="0" err="1" smtClean="0"/>
-              <a:t>getNews</a:t>
-            </a:r>
-            <a:endParaRPr lang="en-US" i="1" dirty="0" smtClean="0"/>
-          </a:p>
-          <a:p>
-            <a:r>
-              <a:rPr lang="en-US" dirty="0" smtClean="0"/>
-              <a:t>Specify which fields to retrieve from that type</a:t>
+              <a:rPr lang="en-US" dirty="0"/>
+              <a:t>most browsers do support WS</a:t>
+            </a:r>
+          </a:p>
+          <a:p>
+            <a:r>
+              <a:rPr lang="en-US" dirty="0"/>
+              <a:t>WS enables duplex communications</a:t>
             </a:r>
           </a:p>
           <a:p>
             <a:pPr lvl="1"/>
             <a:r>
-              <a:rPr lang="en-US" dirty="0" smtClean="0"/>
-              <a:t>e.g., </a:t>
-            </a:r>
-            <a:r>
-              <a:rPr lang="en-US" i="1" dirty="0" smtClean="0"/>
-              <a:t>id</a:t>
-            </a:r>
-            <a:r>
-              <a:rPr lang="en-US" dirty="0" smtClean="0"/>
-              <a:t>, </a:t>
-            </a:r>
-            <a:r>
-              <a:rPr lang="en-US" i="1" dirty="0" smtClean="0"/>
-              <a:t>author</a:t>
-            </a:r>
-            <a:r>
-              <a:rPr lang="en-US" dirty="0" smtClean="0"/>
-              <a:t>, </a:t>
-            </a:r>
-            <a:r>
-              <a:rPr lang="en-US" i="1" dirty="0" smtClean="0"/>
-              <a:t>text</a:t>
-            </a:r>
-            <a:r>
-              <a:rPr lang="en-US" dirty="0" smtClean="0"/>
-              <a:t>, </a:t>
-            </a:r>
-            <a:r>
-              <a:rPr lang="en-US" i="1" dirty="0" smtClean="0"/>
-              <a:t>comments </a:t>
-            </a:r>
-          </a:p>
-          <a:p>
-            <a:r>
-              <a:rPr lang="en-US" dirty="0" smtClean="0"/>
-              <a:t>When field is </a:t>
-            </a:r>
-            <a:r>
-              <a:rPr lang="en-US" dirty="0" smtClean="0"/>
-              <a:t>a reference </a:t>
-            </a:r>
-            <a:r>
-              <a:rPr lang="en-US" dirty="0" smtClean="0"/>
-              <a:t>to another type in </a:t>
-            </a:r>
-            <a:r>
-              <a:rPr lang="en-US" dirty="0" smtClean="0"/>
-              <a:t>the graph</a:t>
-            </a:r>
-            <a:r>
-              <a:rPr lang="en-US" dirty="0" smtClean="0"/>
-              <a:t>, need to specify its fields</a:t>
+              <a:rPr lang="en-US" dirty="0"/>
+              <a:t>server can decide to send data to browser, which will listens to updates</a:t>
+            </a:r>
+          </a:p>
+          <a:p>
+            <a:r>
+              <a:rPr lang="en-US" dirty="0"/>
+              <a:t>Server will keep an active TCP connection for each client</a:t>
+            </a:r>
+          </a:p>
+          <a:p>
+            <a:r>
+              <a:rPr lang="en-US" dirty="0"/>
+              <a:t>When new message, server can </a:t>
+            </a:r>
+            <a:r>
+              <a:rPr lang="en-US" i="1" dirty="0"/>
+              <a:t>broadcast</a:t>
+            </a:r>
+            <a:r>
+              <a:rPr lang="en-US" dirty="0"/>
+              <a:t> it to all clients</a:t>
+            </a:r>
+          </a:p>
+          <a:p>
+            <a:r>
+              <a:rPr lang="en-US" dirty="0"/>
+              <a:t>Browser just waits for notifications, and update HTML when it receives incoming messages from server</a:t>
+            </a:r>
+          </a:p>
+          <a:p>
+            <a:r>
+              <a:rPr lang="en-US" dirty="0"/>
+              <a:t>Server </a:t>
+            </a:r>
+            <a:r>
+              <a:rPr lang="en-US" i="1" dirty="0"/>
+              <a:t>pushes</a:t>
+            </a:r>
+            <a:r>
+              <a:rPr lang="en-US" dirty="0"/>
+              <a:t> data only when available</a:t>
             </a:r>
           </a:p>
           <a:p>
             <a:pPr lvl="1"/>
             <a:r>
-              <a:rPr lang="en-US" dirty="0" err="1" smtClean="0"/>
-              <a:t>eg</a:t>
-            </a:r>
-            <a:r>
-              <a:rPr lang="en-US" dirty="0" smtClean="0"/>
-              <a:t>, </a:t>
-            </a:r>
-            <a:r>
-              <a:rPr lang="en-US" i="1" dirty="0" smtClean="0"/>
-              <a:t>name</a:t>
-            </a:r>
-            <a:r>
-              <a:rPr lang="en-US" dirty="0" smtClean="0"/>
-              <a:t> for </a:t>
-            </a:r>
-            <a:r>
-              <a:rPr lang="en-US" i="1" dirty="0" smtClean="0"/>
-              <a:t>author</a:t>
-            </a:r>
-            <a:endParaRPr lang="en-US" i="1" dirty="0"/>
-          </a:p>
-        </p:txBody>
-      </p:sp>
-      <p:sp>
-        <p:nvSpPr>
-          <p:cNvPr id="4" name="Rectangle 3"/>
-          <p:cNvSpPr/>
-          <p:nvPr/>
-        </p:nvSpPr>
-        <p:spPr>
-          <a:xfrm>
-            <a:off x="268357" y="1600637"/>
-            <a:ext cx="5808124" cy="4832092"/>
-          </a:xfrm>
-          <a:prstGeom prst="rect">
-            <a:avLst/>
-          </a:prstGeom>
-        </p:spPr>
-        <p:txBody>
-          <a:bodyPr wrap="square">
-            <a:spAutoFit/>
-          </a:bodyPr>
-          <a:lstStyle/>
-          <a:p>
-            <a:r>
-              <a:rPr lang="en-US" sz="2800" b="1" dirty="0">
-                <a:solidFill>
-                  <a:srgbClr val="7030A0"/>
-                </a:solidFill>
-              </a:rPr>
-              <a:t>{</a:t>
-            </a:r>
-          </a:p>
-          <a:p>
-            <a:r>
-              <a:rPr lang="en-US" sz="2800" b="1" dirty="0">
-                <a:solidFill>
-                  <a:srgbClr val="7030A0"/>
-                </a:solidFill>
-              </a:rPr>
-              <a:t>  </a:t>
-            </a:r>
-            <a:r>
-              <a:rPr lang="en-US" sz="2800" b="1" dirty="0" err="1">
-                <a:solidFill>
-                  <a:srgbClr val="7030A0"/>
-                </a:solidFill>
-              </a:rPr>
-              <a:t>getNews</a:t>
-            </a:r>
-            <a:r>
-              <a:rPr lang="en-US" sz="2800" b="1" dirty="0">
-                <a:solidFill>
-                  <a:srgbClr val="7030A0"/>
-                </a:solidFill>
-              </a:rPr>
-              <a:t>{</a:t>
-            </a:r>
-          </a:p>
-          <a:p>
-            <a:r>
-              <a:rPr lang="en-US" sz="2800" b="1" dirty="0">
-                <a:solidFill>
-                  <a:srgbClr val="7030A0"/>
-                </a:solidFill>
-              </a:rPr>
-              <a:t>    id, </a:t>
-            </a:r>
-          </a:p>
-          <a:p>
-            <a:r>
-              <a:rPr lang="en-US" sz="2800" b="1" dirty="0">
-                <a:solidFill>
-                  <a:srgbClr val="7030A0"/>
-                </a:solidFill>
-              </a:rPr>
-              <a:t>    author{name}, </a:t>
-            </a:r>
-          </a:p>
-          <a:p>
-            <a:r>
-              <a:rPr lang="en-US" sz="2800" b="1" dirty="0">
-                <a:solidFill>
-                  <a:srgbClr val="7030A0"/>
-                </a:solidFill>
-              </a:rPr>
-              <a:t>    text, </a:t>
-            </a:r>
-          </a:p>
-          <a:p>
-            <a:r>
-              <a:rPr lang="en-US" sz="2800" b="1" dirty="0">
-                <a:solidFill>
-                  <a:srgbClr val="7030A0"/>
-                </a:solidFill>
-              </a:rPr>
-              <a:t>    comments{</a:t>
-            </a:r>
-          </a:p>
-          <a:p>
-            <a:r>
-              <a:rPr lang="en-US" sz="2800" b="1" dirty="0">
-                <a:solidFill>
-                  <a:srgbClr val="7030A0"/>
-                </a:solidFill>
-              </a:rPr>
-              <a:t>      text, </a:t>
-            </a:r>
-          </a:p>
-          <a:p>
-            <a:r>
-              <a:rPr lang="en-US" sz="2800" b="1" dirty="0">
-                <a:solidFill>
-                  <a:srgbClr val="7030A0"/>
-                </a:solidFill>
-              </a:rPr>
-              <a:t>      </a:t>
-            </a:r>
-            <a:r>
-              <a:rPr lang="en-US" sz="2800" b="1" dirty="0" smtClean="0">
-                <a:solidFill>
-                  <a:srgbClr val="7030A0"/>
-                </a:solidFill>
-              </a:rPr>
-              <a:t>news{ author{surname}}</a:t>
-            </a:r>
-            <a:endParaRPr lang="en-US" sz="2800" b="1" dirty="0">
-              <a:solidFill>
-                <a:srgbClr val="7030A0"/>
-              </a:solidFill>
-            </a:endParaRPr>
-          </a:p>
-          <a:p>
-            <a:r>
-              <a:rPr lang="en-US" sz="2800" b="1" dirty="0">
-                <a:solidFill>
-                  <a:srgbClr val="7030A0"/>
-                </a:solidFill>
-              </a:rPr>
-              <a:t>    }</a:t>
-            </a:r>
-          </a:p>
-          <a:p>
-            <a:r>
-              <a:rPr lang="en-US" sz="2800" b="1" dirty="0">
-                <a:solidFill>
-                  <a:srgbClr val="7030A0"/>
-                </a:solidFill>
-              </a:rPr>
-              <a:t>  }</a:t>
-            </a:r>
-          </a:p>
-          <a:p>
-            <a:r>
-              <a:rPr lang="en-US" sz="2800" b="1" dirty="0">
-                <a:solidFill>
-                  <a:srgbClr val="7030A0"/>
-                </a:solidFill>
-              </a:rPr>
-              <a:t>}</a:t>
-            </a:r>
-            <a:endParaRPr lang="en-US" sz="2800" b="1" dirty="0">
-              <a:solidFill>
-                <a:srgbClr val="7030A0"/>
-              </a:solidFill>
-            </a:endParaRPr>
+              <a:rPr lang="en-US" dirty="0"/>
+              <a:t>no bandwidth waste</a:t>
+            </a:r>
           </a:p>
         </p:txBody>
       </p:sp>
     </p:spTree>
     <p:extLst>
       <p:ext uri="{BB962C8B-B14F-4D97-AF65-F5344CB8AC3E}">
-        <p14:creationId xmlns:p14="http://schemas.microsoft.com/office/powerpoint/2010/main" val="3054430678"/>
+        <p14:creationId xmlns:p14="http://schemas.microsoft.com/office/powerpoint/2010/main" val="658753985"/>
       </p:ext>
     </p:extLst>
   </p:cSld>
@@ -6419,10 +5106,36 @@
             <p:ph type="title"/>
           </p:nvPr>
         </p:nvSpPr>
+        <p:spPr/>
+        <p:txBody>
+          <a:bodyPr/>
+          <a:lstStyle/>
+          <a:p>
+            <a:r>
+              <a:rPr lang="en-US" dirty="0" err="1"/>
+              <a:t>WebSocket</a:t>
+            </a:r>
+            <a:r>
+              <a:rPr lang="en-US" dirty="0"/>
+              <a:t> Protocol</a:t>
+            </a:r>
+          </a:p>
+        </p:txBody>
+      </p:sp>
+      <p:sp>
+        <p:nvSpPr>
+          <p:cNvPr id="3" name="Content Placeholder 2"/>
+          <p:cNvSpPr>
+            <a:spLocks noGrp="1"/>
+          </p:cNvSpPr>
+          <p:nvPr>
+            <p:ph idx="1"/>
+          </p:nvPr>
+        </p:nvSpPr>
         <p:spPr>
           <a:xfrm>
-            <a:off x="838200" y="196160"/>
-            <a:ext cx="10515600" cy="1325563"/>
+            <a:off x="285750" y="1825624"/>
+            <a:ext cx="5881251" cy="4860925"/>
           </a:xfrm>
         </p:spPr>
         <p:txBody>
@@ -6430,289 +5143,100 @@
           <a:lstStyle/>
           <a:p>
             <a:r>
-              <a:rPr lang="en-US" dirty="0" smtClean="0"/>
-              <a:t>Cont.</a:t>
-            </a:r>
-            <a:endParaRPr lang="en-US" dirty="0"/>
-          </a:p>
-        </p:txBody>
-      </p:sp>
-      <p:sp>
-        <p:nvSpPr>
-          <p:cNvPr id="3" name="Content Placeholder 2"/>
-          <p:cNvSpPr>
-            <a:spLocks noGrp="1"/>
-          </p:cNvSpPr>
-          <p:nvPr>
-            <p:ph idx="1"/>
-          </p:nvPr>
-        </p:nvSpPr>
+              <a:rPr lang="en-US" dirty="0"/>
+              <a:t>Usually over TCP</a:t>
+            </a:r>
+          </a:p>
+          <a:p>
+            <a:r>
+              <a:rPr lang="en-US" dirty="0"/>
+              <a:t>It is </a:t>
+            </a:r>
+            <a:r>
+              <a:rPr lang="en-US" b="1" dirty="0"/>
+              <a:t>NOT</a:t>
+            </a:r>
+            <a:r>
+              <a:rPr lang="en-US" dirty="0"/>
+              <a:t> HTTP, but </a:t>
+            </a:r>
+            <a:r>
+              <a:rPr lang="en-US" i="1" dirty="0"/>
+              <a:t>first message </a:t>
+            </a:r>
+            <a:r>
+              <a:rPr lang="en-US" dirty="0"/>
+              <a:t>has same syntax as HTTP</a:t>
+            </a:r>
+          </a:p>
+          <a:p>
+            <a:r>
+              <a:rPr lang="en-US" dirty="0"/>
+              <a:t>Note the different protocol in the URL, </a:t>
+            </a:r>
+            <a:r>
+              <a:rPr lang="en-US" dirty="0" err="1"/>
+              <a:t>eg</a:t>
+            </a:r>
+            <a:r>
+              <a:rPr lang="en-US" dirty="0"/>
+              <a:t> </a:t>
+            </a:r>
+            <a:r>
+              <a:rPr lang="en-US" b="1" i="1" dirty="0"/>
+              <a:t>ws</a:t>
+            </a:r>
+            <a:r>
+              <a:rPr lang="en-US" i="1" dirty="0"/>
+              <a:t>://localhost:8080</a:t>
+            </a:r>
+          </a:p>
+          <a:p>
+            <a:pPr lvl="1"/>
+            <a:r>
+              <a:rPr lang="en-US" b="1" dirty="0" err="1"/>
+              <a:t>wss</a:t>
+            </a:r>
+            <a:r>
+              <a:rPr lang="en-US" b="1" i="1" dirty="0"/>
+              <a:t> </a:t>
+            </a:r>
+            <a:r>
+              <a:rPr lang="en-US" dirty="0"/>
+              <a:t>is for encrypted, like HTTPS</a:t>
+            </a:r>
+            <a:endParaRPr lang="en-US" b="1" dirty="0"/>
+          </a:p>
+        </p:txBody>
+      </p:sp>
+      <p:pic>
+        <p:nvPicPr>
+          <p:cNvPr id="4" name="Picture 3"/>
+          <p:cNvPicPr>
+            <a:picLocks noChangeAspect="1"/>
+          </p:cNvPicPr>
+          <p:nvPr/>
+        </p:nvPicPr>
+        <p:blipFill>
+          <a:blip r:embed="rId2"/>
+          <a:stretch>
+            <a:fillRect/>
+          </a:stretch>
+        </p:blipFill>
         <p:spPr>
           <a:xfrm>
-            <a:off x="5764696" y="367748"/>
-            <a:ext cx="6231834" cy="6231835"/>
-          </a:xfrm>
-        </p:spPr>
-        <p:txBody>
-          <a:bodyPr/>
-          <a:lstStyle/>
-          <a:p>
-            <a:r>
-              <a:rPr lang="en-US" i="1" dirty="0" smtClean="0"/>
-              <a:t>comments</a:t>
-            </a:r>
-            <a:r>
-              <a:rPr lang="en-US" dirty="0" smtClean="0"/>
-              <a:t> here does retrieve a list of comments</a:t>
-            </a:r>
-          </a:p>
-          <a:p>
-            <a:r>
-              <a:rPr lang="en-US" dirty="0" smtClean="0"/>
-              <a:t>Note the use of </a:t>
-            </a:r>
-            <a:r>
-              <a:rPr lang="en-US" i="1" dirty="0" smtClean="0"/>
-              <a:t>author</a:t>
-            </a:r>
-            <a:r>
-              <a:rPr lang="en-US" dirty="0" smtClean="0"/>
-              <a:t>: the same instances are accessed twice, but retrieving different fields</a:t>
-            </a:r>
-          </a:p>
-          <a:p>
-            <a:pPr lvl="1"/>
-            <a:r>
-              <a:rPr lang="en-US" dirty="0" err="1" smtClean="0"/>
-              <a:t>ie</a:t>
-            </a:r>
-            <a:r>
-              <a:rPr lang="en-US" dirty="0" smtClean="0"/>
-              <a:t>, </a:t>
-            </a:r>
-            <a:r>
-              <a:rPr lang="en-US" i="1" dirty="0" smtClean="0"/>
-              <a:t>name</a:t>
-            </a:r>
-            <a:r>
-              <a:rPr lang="en-US" dirty="0" smtClean="0"/>
-              <a:t> and </a:t>
-            </a:r>
-            <a:r>
-              <a:rPr lang="en-US" i="1" dirty="0" smtClean="0"/>
-              <a:t>surname</a:t>
-            </a:r>
-          </a:p>
-          <a:p>
-            <a:pPr lvl="1"/>
-            <a:r>
-              <a:rPr lang="en-US" i="1" dirty="0" err="1" smtClean="0"/>
-              <a:t>news</a:t>
-            </a:r>
-            <a:r>
-              <a:rPr lang="en-US" i="1" dirty="0" err="1" smtClean="0"/>
-              <a:t>.author</a:t>
-            </a:r>
-            <a:r>
-              <a:rPr lang="en-US" i="1" dirty="0" smtClean="0"/>
-              <a:t> === </a:t>
-            </a:r>
-            <a:r>
-              <a:rPr lang="en-US" i="1" dirty="0" err="1" smtClean="0"/>
-              <a:t>news</a:t>
-            </a:r>
-            <a:r>
-              <a:rPr lang="en-US" i="1" dirty="0" err="1" smtClean="0"/>
-              <a:t>.comments</a:t>
-            </a:r>
-            <a:r>
-              <a:rPr lang="en-US" i="1" dirty="0" smtClean="0"/>
-              <a:t>[</a:t>
-            </a:r>
-            <a:r>
-              <a:rPr lang="en-US" i="1" dirty="0" err="1" smtClean="0"/>
-              <a:t>i</a:t>
-            </a:r>
-            <a:r>
-              <a:rPr lang="en-US" i="1" dirty="0" smtClean="0"/>
-              <a:t>].</a:t>
-            </a:r>
-            <a:r>
-              <a:rPr lang="en-US" i="1" dirty="0" err="1" smtClean="0"/>
-              <a:t>news</a:t>
-            </a:r>
-            <a:r>
-              <a:rPr lang="en-US" i="1" dirty="0" err="1" smtClean="0"/>
-              <a:t>.author</a:t>
-            </a:r>
-            <a:endParaRPr lang="en-US" i="1" dirty="0" smtClean="0"/>
-          </a:p>
-          <a:p>
-            <a:r>
-              <a:rPr lang="en-US" dirty="0" smtClean="0"/>
-              <a:t>Working on a graph, a query could be arbitrarily deep when following links between nodes</a:t>
-            </a:r>
-            <a:endParaRPr lang="en-US" dirty="0"/>
-          </a:p>
-        </p:txBody>
-      </p:sp>
-      <p:sp>
-        <p:nvSpPr>
-          <p:cNvPr id="4" name="Rectangle 3"/>
-          <p:cNvSpPr/>
-          <p:nvPr/>
-        </p:nvSpPr>
-        <p:spPr>
-          <a:xfrm>
-            <a:off x="0" y="1611013"/>
-            <a:ext cx="5635046" cy="4998946"/>
+            <a:off x="6167001" y="1540042"/>
+            <a:ext cx="5700146" cy="5059680"/>
           </a:xfrm>
           <a:prstGeom prst="rect">
             <a:avLst/>
           </a:prstGeom>
         </p:spPr>
-        <p:txBody>
-          <a:bodyPr wrap="square">
-            <a:spAutoFit/>
-          </a:bodyPr>
-          <a:lstStyle/>
-          <a:p>
-            <a:r>
-              <a:rPr lang="en-US" sz="2800" b="1" dirty="0">
-                <a:solidFill>
-                  <a:srgbClr val="7030A0"/>
-                </a:solidFill>
-              </a:rPr>
-              <a:t>{</a:t>
-            </a:r>
-          </a:p>
-          <a:p>
-            <a:r>
-              <a:rPr lang="en-US" sz="2800" b="1" dirty="0">
-                <a:solidFill>
-                  <a:srgbClr val="7030A0"/>
-                </a:solidFill>
-              </a:rPr>
-              <a:t>  </a:t>
-            </a:r>
-            <a:r>
-              <a:rPr lang="en-US" sz="2800" b="1" dirty="0" err="1">
-                <a:solidFill>
-                  <a:srgbClr val="7030A0"/>
-                </a:solidFill>
-              </a:rPr>
-              <a:t>getNews</a:t>
-            </a:r>
-            <a:r>
-              <a:rPr lang="en-US" sz="2800" b="1" dirty="0">
-                <a:solidFill>
-                  <a:srgbClr val="7030A0"/>
-                </a:solidFill>
-              </a:rPr>
-              <a:t>{</a:t>
-            </a:r>
-          </a:p>
-          <a:p>
-            <a:r>
-              <a:rPr lang="en-US" sz="2800" b="1" dirty="0">
-                <a:solidFill>
-                  <a:srgbClr val="7030A0"/>
-                </a:solidFill>
-              </a:rPr>
-              <a:t>    id, </a:t>
-            </a:r>
-          </a:p>
-          <a:p>
-            <a:r>
-              <a:rPr lang="en-US" sz="2800" b="1" dirty="0">
-                <a:solidFill>
-                  <a:srgbClr val="7030A0"/>
-                </a:solidFill>
-              </a:rPr>
-              <a:t>    author{name}, </a:t>
-            </a:r>
-          </a:p>
-          <a:p>
-            <a:r>
-              <a:rPr lang="en-US" sz="2800" b="1" dirty="0">
-                <a:solidFill>
-                  <a:srgbClr val="7030A0"/>
-                </a:solidFill>
-              </a:rPr>
-              <a:t>    text, </a:t>
-            </a:r>
-          </a:p>
-          <a:p>
-            <a:r>
-              <a:rPr lang="en-US" sz="2800" b="1" dirty="0">
-                <a:solidFill>
-                  <a:srgbClr val="7030A0"/>
-                </a:solidFill>
-              </a:rPr>
-              <a:t>    comments{</a:t>
-            </a:r>
-          </a:p>
-          <a:p>
-            <a:r>
-              <a:rPr lang="en-US" sz="2800" b="1" dirty="0">
-                <a:solidFill>
-                  <a:srgbClr val="7030A0"/>
-                </a:solidFill>
-              </a:rPr>
-              <a:t>      text, </a:t>
-            </a:r>
-          </a:p>
-          <a:p>
-            <a:r>
-              <a:rPr lang="en-US" sz="2800" b="1" dirty="0">
-                <a:solidFill>
-                  <a:srgbClr val="7030A0"/>
-                </a:solidFill>
-              </a:rPr>
-              <a:t>      news{ author{surname}}</a:t>
-            </a:r>
-          </a:p>
-          <a:p>
-            <a:r>
-              <a:rPr lang="en-US" sz="2800" b="1" dirty="0">
-                <a:solidFill>
-                  <a:srgbClr val="7030A0"/>
-                </a:solidFill>
-              </a:rPr>
-              <a:t>    }</a:t>
-            </a:r>
-          </a:p>
-          <a:p>
-            <a:r>
-              <a:rPr lang="en-US" sz="2800" b="1" dirty="0">
-                <a:solidFill>
-                  <a:srgbClr val="7030A0"/>
-                </a:solidFill>
-              </a:rPr>
-              <a:t>  }</a:t>
-            </a:r>
-          </a:p>
-          <a:p>
-            <a:r>
-              <a:rPr lang="en-US" sz="2800" b="1" dirty="0">
-                <a:solidFill>
-                  <a:srgbClr val="7030A0"/>
-                </a:solidFill>
-              </a:rPr>
-              <a:t>}</a:t>
-            </a:r>
-            <a:endParaRPr lang="en-US" sz="2800" b="1" dirty="0">
-              <a:solidFill>
-                <a:srgbClr val="7030A0"/>
-              </a:solidFill>
-            </a:endParaRPr>
-          </a:p>
-        </p:txBody>
-      </p:sp>
+      </p:pic>
     </p:spTree>
     <p:extLst>
       <p:ext uri="{BB962C8B-B14F-4D97-AF65-F5344CB8AC3E}">
-        <p14:creationId xmlns:p14="http://schemas.microsoft.com/office/powerpoint/2010/main" val="2302635798"/>
+        <p14:creationId xmlns:p14="http://schemas.microsoft.com/office/powerpoint/2010/main" val="3743049737"/>
       </p:ext>
     </p:extLst>
   </p:cSld>
@@ -6749,40 +5273,7 @@
             <p:ph type="title"/>
           </p:nvPr>
         </p:nvSpPr>
-        <p:spPr>
-          <a:xfrm>
-            <a:off x="540026" y="76890"/>
-            <a:ext cx="10515600" cy="1325563"/>
-          </a:xfrm>
-        </p:spPr>
-        <p:txBody>
-          <a:bodyPr/>
-          <a:lstStyle/>
-          <a:p>
-            <a:r>
-              <a:rPr lang="en-US" dirty="0" smtClean="0"/>
-              <a:t>Response</a:t>
-            </a:r>
-            <a:endParaRPr lang="en-US" dirty="0"/>
-          </a:p>
-        </p:txBody>
-      </p:sp>
-      <p:sp>
-        <p:nvSpPr>
-          <p:cNvPr id="3" name="Content Placeholder 2"/>
-          <p:cNvSpPr>
-            <a:spLocks noGrp="1"/>
-          </p:cNvSpPr>
-          <p:nvPr>
-            <p:ph idx="1"/>
-          </p:nvPr>
-        </p:nvSpPr>
-        <p:spPr>
-          <a:xfrm>
-            <a:off x="6526695" y="477078"/>
-            <a:ext cx="5420140" cy="6162261"/>
-          </a:xfrm>
-        </p:spPr>
+        <p:spPr/>
         <p:txBody>
           <a:bodyPr>
             <a:normAutofit/>
@@ -6790,312 +5281,178 @@
           <a:lstStyle/>
           <a:p>
             <a:r>
-              <a:rPr lang="en-US" dirty="0" smtClean="0"/>
-              <a:t>What we get back is a JSON object</a:t>
-            </a:r>
-          </a:p>
-          <a:p>
-            <a:r>
-              <a:rPr lang="en-US" dirty="0" smtClean="0"/>
-              <a:t>Payload is under a “</a:t>
-            </a:r>
-            <a:r>
-              <a:rPr lang="en-US" i="1" dirty="0" smtClean="0"/>
-              <a:t>data</a:t>
-            </a:r>
-            <a:r>
-              <a:rPr lang="en-US" dirty="0" smtClean="0"/>
-              <a:t>” field</a:t>
-            </a:r>
-          </a:p>
-          <a:p>
-            <a:r>
-              <a:rPr lang="en-US" dirty="0" smtClean="0"/>
-              <a:t>Payload will have same </a:t>
-            </a:r>
-            <a:r>
-              <a:rPr lang="en-US" i="1" dirty="0" smtClean="0"/>
-              <a:t>shape</a:t>
-            </a:r>
-            <a:r>
-              <a:rPr lang="en-US" dirty="0" smtClean="0"/>
-              <a:t> of the query</a:t>
-            </a:r>
-          </a:p>
-          <a:p>
-            <a:r>
-              <a:rPr lang="en-US" dirty="0"/>
-              <a:t>I</a:t>
-            </a:r>
-            <a:r>
-              <a:rPr lang="en-US" dirty="0" smtClean="0"/>
-              <a:t>n </a:t>
-            </a:r>
-            <a:r>
-              <a:rPr lang="en-US" dirty="0" smtClean="0"/>
-              <a:t>case of </a:t>
-            </a:r>
-            <a:r>
-              <a:rPr lang="en-US" dirty="0" smtClean="0"/>
-              <a:t>errors, </a:t>
-            </a:r>
-            <a:r>
-              <a:rPr lang="en-US" dirty="0" smtClean="0"/>
-              <a:t>we have “</a:t>
-            </a:r>
-            <a:r>
-              <a:rPr lang="en-US" i="1" dirty="0" smtClean="0"/>
-              <a:t>data</a:t>
-            </a:r>
-            <a:r>
-              <a:rPr lang="en-US" dirty="0" smtClean="0"/>
-              <a:t>” being </a:t>
-            </a:r>
-            <a:r>
-              <a:rPr lang="en-US" i="1" dirty="0" smtClean="0"/>
-              <a:t>null</a:t>
-            </a:r>
-            <a:r>
-              <a:rPr lang="en-US" dirty="0" smtClean="0"/>
-              <a:t> and a “</a:t>
-            </a:r>
-            <a:r>
-              <a:rPr lang="en-US" i="1" dirty="0" smtClean="0"/>
-              <a:t>errors</a:t>
-            </a:r>
-            <a:r>
-              <a:rPr lang="en-US" dirty="0" smtClean="0"/>
-              <a:t>” field with info on the error(s)</a:t>
-            </a:r>
-            <a:endParaRPr lang="en-US" dirty="0"/>
-          </a:p>
-        </p:txBody>
-      </p:sp>
-      <p:sp>
-        <p:nvSpPr>
-          <p:cNvPr id="4" name="Rectangle 3"/>
-          <p:cNvSpPr/>
-          <p:nvPr/>
+              <a:rPr lang="en-US" dirty="0"/>
+              <a:t>Request ws://localhost:8080</a:t>
+            </a:r>
+          </a:p>
+        </p:txBody>
+      </p:sp>
+      <p:sp>
+        <p:nvSpPr>
+          <p:cNvPr id="3" name="Content Placeholder 2"/>
+          <p:cNvSpPr>
+            <a:spLocks noGrp="1"/>
+          </p:cNvSpPr>
+          <p:nvPr>
+            <p:ph idx="1"/>
+          </p:nvPr>
         </p:nvSpPr>
         <p:spPr>
           <a:xfrm>
-            <a:off x="232500" y="1225689"/>
-            <a:ext cx="6096000" cy="5632311"/>
+            <a:off x="279400" y="1825624"/>
+            <a:ext cx="11775440" cy="4854575"/>
           </a:xfrm>
-          <a:prstGeom prst="rect">
-            <a:avLst/>
-          </a:prstGeom>
         </p:spPr>
         <p:txBody>
           <a:bodyPr>
-            <a:spAutoFit/>
+            <a:normAutofit fontScale="85000" lnSpcReduction="20000"/>
           </a:bodyPr>
           <a:lstStyle/>
           <a:p>
             <a:r>
-              <a:rPr lang="en-US" sz="2000" b="1" dirty="0">
-                <a:solidFill>
-                  <a:srgbClr val="7030A0"/>
-                </a:solidFill>
-              </a:rPr>
-              <a:t>{</a:t>
-            </a:r>
-          </a:p>
-          <a:p>
-            <a:r>
-              <a:rPr lang="en-US" sz="2000" b="1" dirty="0">
-                <a:solidFill>
-                  <a:srgbClr val="7030A0"/>
-                </a:solidFill>
-              </a:rPr>
-              <a:t>  "data": {</a:t>
-            </a:r>
-          </a:p>
-          <a:p>
-            <a:r>
-              <a:rPr lang="en-US" sz="2000" b="1" dirty="0">
-                <a:solidFill>
-                  <a:srgbClr val="7030A0"/>
-                </a:solidFill>
-              </a:rPr>
-              <a:t>    "</a:t>
-            </a:r>
-            <a:r>
-              <a:rPr lang="en-US" sz="2000" b="1" dirty="0" err="1">
-                <a:solidFill>
-                  <a:srgbClr val="7030A0"/>
-                </a:solidFill>
-              </a:rPr>
-              <a:t>getNews</a:t>
-            </a:r>
-            <a:r>
-              <a:rPr lang="en-US" sz="2000" b="1" dirty="0">
-                <a:solidFill>
-                  <a:srgbClr val="7030A0"/>
-                </a:solidFill>
-              </a:rPr>
-              <a:t>": [</a:t>
-            </a:r>
-          </a:p>
-          <a:p>
-            <a:r>
-              <a:rPr lang="en-US" sz="2000" b="1" dirty="0">
-                <a:solidFill>
-                  <a:srgbClr val="7030A0"/>
-                </a:solidFill>
-              </a:rPr>
-              <a:t>      {</a:t>
-            </a:r>
-          </a:p>
-          <a:p>
-            <a:r>
-              <a:rPr lang="en-US" sz="2000" b="1" dirty="0">
-                <a:solidFill>
-                  <a:srgbClr val="7030A0"/>
-                </a:solidFill>
-              </a:rPr>
-              <a:t>        "id": "id0",</a:t>
-            </a:r>
-          </a:p>
-          <a:p>
-            <a:r>
-              <a:rPr lang="en-US" sz="2000" b="1" dirty="0">
-                <a:solidFill>
-                  <a:srgbClr val="7030A0"/>
-                </a:solidFill>
-              </a:rPr>
-              <a:t>        "author": {</a:t>
-            </a:r>
-          </a:p>
-          <a:p>
-            <a:r>
-              <a:rPr lang="en-US" sz="2000" b="1" dirty="0">
-                <a:solidFill>
-                  <a:srgbClr val="7030A0"/>
-                </a:solidFill>
-              </a:rPr>
-              <a:t>          "name": "Joker"</a:t>
-            </a:r>
-          </a:p>
-          <a:p>
-            <a:r>
-              <a:rPr lang="en-US" sz="2000" b="1" dirty="0">
-                <a:solidFill>
-                  <a:srgbClr val="7030A0"/>
-                </a:solidFill>
-              </a:rPr>
-              <a:t>        },</a:t>
-            </a:r>
-          </a:p>
-          <a:p>
-            <a:r>
-              <a:rPr lang="en-US" sz="2000" b="1" dirty="0">
-                <a:solidFill>
-                  <a:srgbClr val="7030A0"/>
-                </a:solidFill>
-              </a:rPr>
-              <a:t>        "text": "All invited at my party at X on new year! It is going to be EXPLOSIVE!",</a:t>
-            </a:r>
-          </a:p>
-          <a:p>
-            <a:r>
-              <a:rPr lang="en-US" sz="2000" b="1" dirty="0">
-                <a:solidFill>
-                  <a:srgbClr val="7030A0"/>
-                </a:solidFill>
-              </a:rPr>
-              <a:t>        "comments": [</a:t>
-            </a:r>
-          </a:p>
-          <a:p>
-            <a:r>
-              <a:rPr lang="en-US" sz="2000" b="1" dirty="0">
-                <a:solidFill>
-                  <a:srgbClr val="7030A0"/>
-                </a:solidFill>
-              </a:rPr>
-              <a:t>          {</a:t>
-            </a:r>
-          </a:p>
-          <a:p>
-            <a:r>
-              <a:rPr lang="en-US" sz="2000" b="1" dirty="0">
-                <a:solidFill>
-                  <a:srgbClr val="7030A0"/>
-                </a:solidFill>
-              </a:rPr>
-              <a:t>            "text": "I will be there! Justice never sleeps!",</a:t>
-            </a:r>
-          </a:p>
-          <a:p>
-            <a:r>
-              <a:rPr lang="en-US" sz="2000" b="1" dirty="0">
-                <a:solidFill>
-                  <a:srgbClr val="7030A0"/>
-                </a:solidFill>
-              </a:rPr>
-              <a:t>            "news": {</a:t>
-            </a:r>
-          </a:p>
-          <a:p>
-            <a:r>
-              <a:rPr lang="en-US" sz="2000" b="1" dirty="0">
-                <a:solidFill>
-                  <a:srgbClr val="7030A0"/>
-                </a:solidFill>
-              </a:rPr>
-              <a:t>              "author": {</a:t>
-            </a:r>
-          </a:p>
-          <a:p>
-            <a:r>
-              <a:rPr lang="en-US" sz="2000" b="1" dirty="0">
-                <a:solidFill>
-                  <a:srgbClr val="7030A0"/>
-                </a:solidFill>
-              </a:rPr>
-              <a:t>                "surname": "-"</a:t>
-            </a:r>
-          </a:p>
-          <a:p>
-            <a:r>
-              <a:rPr lang="en-US" sz="2000" b="1" dirty="0">
-                <a:solidFill>
-                  <a:srgbClr val="7030A0"/>
-                </a:solidFill>
-              </a:rPr>
-              <a:t>              }</a:t>
-            </a:r>
-          </a:p>
-          <a:p>
-            <a:r>
-              <a:rPr lang="en-US" sz="2000" b="1" dirty="0" smtClean="0">
-                <a:solidFill>
-                  <a:srgbClr val="7030A0"/>
-                </a:solidFill>
-              </a:rPr>
-              <a:t>     </a:t>
-            </a:r>
-            <a:r>
-              <a:rPr lang="en-US" sz="2000" b="1" dirty="0" smtClean="0">
-                <a:solidFill>
-                  <a:srgbClr val="7030A0"/>
-                </a:solidFill>
-              </a:rPr>
-              <a:t>// other posts…</a:t>
-            </a:r>
-            <a:endParaRPr lang="en-US" sz="2000" b="1" dirty="0">
-              <a:solidFill>
-                <a:srgbClr val="7030A0"/>
-              </a:solidFill>
-            </a:endParaRPr>
+              <a:rPr lang="en-US" dirty="0"/>
+              <a:t>When making a request using WS protocol, browser will craft a message with same syntax as HTTP, with following headers</a:t>
+            </a:r>
+          </a:p>
+          <a:p>
+            <a:r>
+              <a:rPr lang="en-US" b="1" dirty="0"/>
+              <a:t>Sec-</a:t>
+            </a:r>
+            <a:r>
+              <a:rPr lang="en-US" b="1" dirty="0" err="1"/>
+              <a:t>WebSocket</a:t>
+            </a:r>
+            <a:r>
+              <a:rPr lang="en-US" b="1" dirty="0"/>
+              <a:t>-Extensions</a:t>
+            </a:r>
+            <a:endParaRPr lang="en-US" dirty="0"/>
+          </a:p>
+          <a:p>
+            <a:pPr lvl="1"/>
+            <a:r>
+              <a:rPr lang="en-US" dirty="0"/>
+              <a:t>specify some WS extensions to use during the communications, like how to compress the messages, </a:t>
+            </a:r>
+            <a:r>
+              <a:rPr lang="en-US" dirty="0" err="1"/>
+              <a:t>eg</a:t>
+            </a:r>
+            <a:r>
+              <a:rPr lang="en-US" dirty="0"/>
+              <a:t>, </a:t>
+            </a:r>
+            <a:r>
+              <a:rPr lang="en-US" i="1" dirty="0" err="1"/>
+              <a:t>permessage</a:t>
+            </a:r>
+            <a:r>
+              <a:rPr lang="en-US" i="1" dirty="0"/>
+              <a:t>-deflate</a:t>
+            </a:r>
+            <a:r>
+              <a:rPr lang="en-US" dirty="0"/>
+              <a:t> tells to use the “</a:t>
+            </a:r>
+            <a:r>
+              <a:rPr lang="en-US" i="1" dirty="0"/>
+              <a:t>deflate</a:t>
+            </a:r>
+            <a:r>
+              <a:rPr lang="en-US" dirty="0"/>
+              <a:t>” compression algorithm</a:t>
+            </a:r>
+          </a:p>
+          <a:p>
+            <a:r>
+              <a:rPr lang="en-US" b="1" dirty="0"/>
+              <a:t>Sec-</a:t>
+            </a:r>
+            <a:r>
+              <a:rPr lang="en-US" b="1" dirty="0" err="1"/>
+              <a:t>WebSocket</a:t>
+            </a:r>
+            <a:r>
+              <a:rPr lang="en-US" b="1" dirty="0"/>
+              <a:t>-Key</a:t>
+            </a:r>
+            <a:r>
+              <a:rPr lang="en-US" dirty="0"/>
+              <a:t> </a:t>
+            </a:r>
+          </a:p>
+          <a:p>
+            <a:pPr lvl="1"/>
+            <a:r>
+              <a:rPr lang="en-US" dirty="0"/>
+              <a:t>needed to tell the server that this is indeed a WS connection, and not a HTTP one</a:t>
+            </a:r>
+          </a:p>
+          <a:p>
+            <a:pPr lvl="1"/>
+            <a:r>
+              <a:rPr lang="en-US" dirty="0"/>
+              <a:t>using a random key</a:t>
+            </a:r>
+          </a:p>
+          <a:p>
+            <a:r>
+              <a:rPr lang="en-US" b="1" dirty="0"/>
+              <a:t>Sec-</a:t>
+            </a:r>
+            <a:r>
+              <a:rPr lang="en-US" b="1" dirty="0" err="1"/>
+              <a:t>WebSocket</a:t>
+            </a:r>
+            <a:r>
+              <a:rPr lang="en-US" b="1" dirty="0"/>
+              <a:t>-Version</a:t>
+            </a:r>
+            <a:r>
+              <a:rPr lang="en-US" dirty="0"/>
+              <a:t> </a:t>
+            </a:r>
+          </a:p>
+          <a:p>
+            <a:pPr lvl="1"/>
+            <a:r>
+              <a:rPr lang="en-US" dirty="0"/>
+              <a:t>tell the server which version of WS protocol the browser is using</a:t>
+            </a:r>
+          </a:p>
+          <a:p>
+            <a:r>
+              <a:rPr lang="en-US" b="1" dirty="0"/>
+              <a:t>Upgrade: </a:t>
+            </a:r>
+            <a:r>
+              <a:rPr lang="en-US" b="1" dirty="0" err="1"/>
+              <a:t>websocket</a:t>
+            </a:r>
+            <a:endParaRPr lang="en-US" dirty="0"/>
+          </a:p>
+          <a:p>
+            <a:pPr lvl="1"/>
+            <a:r>
+              <a:rPr lang="en-US" dirty="0"/>
+              <a:t>standard HTTP header, telling that, although this request was handled like HTTP, the client (</a:t>
+            </a:r>
+            <a:r>
+              <a:rPr lang="en-US" dirty="0" err="1"/>
+              <a:t>ie</a:t>
+            </a:r>
+            <a:r>
+              <a:rPr lang="en-US" dirty="0"/>
+              <a:t> browser) wants to switch to a different protocol (WS in this case)</a:t>
+            </a:r>
           </a:p>
         </p:txBody>
       </p:sp>
     </p:spTree>
     <p:extLst>
       <p:ext uri="{BB962C8B-B14F-4D97-AF65-F5344CB8AC3E}">
-        <p14:creationId xmlns:p14="http://schemas.microsoft.com/office/powerpoint/2010/main" val="3484634917"/>
+        <p14:creationId xmlns:p14="http://schemas.microsoft.com/office/powerpoint/2010/main" val="1205665765"/>
       </p:ext>
     </p:extLst>
   </p:cSld>
